--- a/JSON.pptx
+++ b/JSON.pptx
@@ -5,24 +5,31 @@
     <p:sldMasterId id="2147484744" r:id="rId4"/>
   </p:sldMasterIdLst>
   <p:notesMasterIdLst>
-    <p:notesMasterId r:id="rId17"/>
+    <p:notesMasterId r:id="rId24"/>
   </p:notesMasterIdLst>
   <p:handoutMasterIdLst>
-    <p:handoutMasterId r:id="rId18"/>
+    <p:handoutMasterId r:id="rId25"/>
   </p:handoutMasterIdLst>
   <p:sldIdLst>
     <p:sldId id="258" r:id="rId5"/>
     <p:sldId id="259" r:id="rId6"/>
     <p:sldId id="260" r:id="rId7"/>
-    <p:sldId id="261" r:id="rId8"/>
-    <p:sldId id="262" r:id="rId9"/>
-    <p:sldId id="263" r:id="rId10"/>
-    <p:sldId id="264" r:id="rId11"/>
-    <p:sldId id="265" r:id="rId12"/>
-    <p:sldId id="266" r:id="rId13"/>
-    <p:sldId id="267" r:id="rId14"/>
-    <p:sldId id="268" r:id="rId15"/>
-    <p:sldId id="269" r:id="rId16"/>
+    <p:sldId id="273" r:id="rId8"/>
+    <p:sldId id="274" r:id="rId9"/>
+    <p:sldId id="261" r:id="rId10"/>
+    <p:sldId id="262" r:id="rId11"/>
+    <p:sldId id="263" r:id="rId12"/>
+    <p:sldId id="264" r:id="rId13"/>
+    <p:sldId id="265" r:id="rId14"/>
+    <p:sldId id="266" r:id="rId15"/>
+    <p:sldId id="267" r:id="rId16"/>
+    <p:sldId id="268" r:id="rId17"/>
+    <p:sldId id="269" r:id="rId18"/>
+    <p:sldId id="270" r:id="rId19"/>
+    <p:sldId id="271" r:id="rId20"/>
+    <p:sldId id="272" r:id="rId21"/>
+    <p:sldId id="275" r:id="rId22"/>
+    <p:sldId id="276" r:id="rId23"/>
   </p:sldIdLst>
   <p:sldSz cx="12192000" cy="6858000"/>
   <p:notesSz cx="6858000" cy="9144000"/>
@@ -165,7 +172,7 @@
           <p:cNvPr id="2" name="Header Placeholder 1">
             <a:extLst>
               <a:ext uri="{FF2B5EF4-FFF2-40B4-BE49-F238E27FC236}">
-                <a16:creationId xmlns:a16="http://schemas.microsoft.com/office/drawing/2014/main" xmlns="" id="{055D74EA-3E93-4587-B549-75C756A58086}"/>
+                <a16:creationId xmlns="" xmlns:a16="http://schemas.microsoft.com/office/drawing/2014/main" id="{055D74EA-3E93-4587-B549-75C756A58086}"/>
               </a:ext>
             </a:extLst>
           </p:cNvPr>
@@ -202,7 +209,7 @@
           <p:cNvPr id="3" name="Date Placeholder 2">
             <a:extLst>
               <a:ext uri="{FF2B5EF4-FFF2-40B4-BE49-F238E27FC236}">
-                <a16:creationId xmlns:a16="http://schemas.microsoft.com/office/drawing/2014/main" xmlns="" id="{DBF02352-E69D-4564-8C89-60D46765C777}"/>
+                <a16:creationId xmlns="" xmlns:a16="http://schemas.microsoft.com/office/drawing/2014/main" id="{DBF02352-E69D-4564-8C89-60D46765C777}"/>
               </a:ext>
             </a:extLst>
           </p:cNvPr>
@@ -232,7 +239,7 @@
           <a:p>
             <a:fld id="{153CBB3B-DDCC-4BA8-B384-6D814D568C89}" type="datetimeFigureOut">
               <a:rPr lang="en-US" smtClean="0"/>
-              <a:t>9/16/2025</a:t>
+              <a:t>9/19/2025</a:t>
             </a:fld>
             <a:endParaRPr lang="en-US" dirty="0"/>
           </a:p>
@@ -243,7 +250,7 @@
           <p:cNvPr id="4" name="Footer Placeholder 3">
             <a:extLst>
               <a:ext uri="{FF2B5EF4-FFF2-40B4-BE49-F238E27FC236}">
-                <a16:creationId xmlns:a16="http://schemas.microsoft.com/office/drawing/2014/main" xmlns="" id="{901CBCD5-D962-413C-8FBE-97EB2634A3A7}"/>
+                <a16:creationId xmlns="" xmlns:a16="http://schemas.microsoft.com/office/drawing/2014/main" id="{901CBCD5-D962-413C-8FBE-97EB2634A3A7}"/>
               </a:ext>
             </a:extLst>
           </p:cNvPr>
@@ -280,7 +287,7 @@
           <p:cNvPr id="5" name="Slide Number Placeholder 4">
             <a:extLst>
               <a:ext uri="{FF2B5EF4-FFF2-40B4-BE49-F238E27FC236}">
-                <a16:creationId xmlns:a16="http://schemas.microsoft.com/office/drawing/2014/main" xmlns="" id="{A0D7122F-EC5F-4ED4-9874-FD3953E4B93A}"/>
+                <a16:creationId xmlns="" xmlns:a16="http://schemas.microsoft.com/office/drawing/2014/main" id="{A0D7122F-EC5F-4ED4-9874-FD3953E4B93A}"/>
               </a:ext>
             </a:extLst>
           </p:cNvPr>
@@ -409,7 +416,7 @@
           <a:p>
             <a:fld id="{20797834-F4BE-48C3-B69E-B67C82C5D609}" type="datetimeFigureOut">
               <a:rPr lang="en-US" smtClean="0"/>
-              <a:t>9/16/2025</a:t>
+              <a:t>9/19/2025</a:t>
             </a:fld>
             <a:endParaRPr lang="en-US" dirty="0"/>
           </a:p>
@@ -844,7 +851,7 @@
           <a:p>
             <a:fld id="{74929172-4BF7-429F-BA25-7E9D1A4215EE}" type="datetimeFigureOut">
               <a:rPr lang="en-US" noProof="0" smtClean="0"/>
-              <a:t>9/16/2025</a:t>
+              <a:t>9/19/2025</a:t>
             </a:fld>
             <a:endParaRPr lang="en-US" noProof="0" dirty="0"/>
           </a:p>
@@ -1077,7 +1084,7 @@
           <a:p>
             <a:fld id="{74929172-4BF7-429F-BA25-7E9D1A4215EE}" type="datetimeFigureOut">
               <a:rPr lang="en-US" noProof="0" smtClean="0"/>
-              <a:t>9/16/2025</a:t>
+              <a:t>9/19/2025</a:t>
             </a:fld>
             <a:endParaRPr lang="en-US" noProof="0" dirty="0"/>
           </a:p>
@@ -1257,7 +1264,7 @@
           <a:p>
             <a:fld id="{74929172-4BF7-429F-BA25-7E9D1A4215EE}" type="datetimeFigureOut">
               <a:rPr lang="en-US" noProof="0" smtClean="0"/>
-              <a:t>9/16/2025</a:t>
+              <a:t>9/19/2025</a:t>
             </a:fld>
             <a:endParaRPr lang="en-US" noProof="0" dirty="0"/>
           </a:p>
@@ -1427,7 +1434,7 @@
           <a:p>
             <a:fld id="{74929172-4BF7-429F-BA25-7E9D1A4215EE}" type="datetimeFigureOut">
               <a:rPr lang="en-US" noProof="0" smtClean="0"/>
-              <a:t>9/16/2025</a:t>
+              <a:t>9/19/2025</a:t>
             </a:fld>
             <a:endParaRPr lang="en-US" noProof="0" dirty="0"/>
           </a:p>
@@ -1681,7 +1688,7 @@
           <a:p>
             <a:fld id="{74929172-4BF7-429F-BA25-7E9D1A4215EE}" type="datetimeFigureOut">
               <a:rPr lang="en-US" noProof="0" smtClean="0"/>
-              <a:t>9/16/2025</a:t>
+              <a:t>9/19/2025</a:t>
             </a:fld>
             <a:endParaRPr lang="en-US" noProof="0" dirty="0"/>
           </a:p>
@@ -2012,7 +2019,7 @@
           <a:p>
             <a:fld id="{74929172-4BF7-429F-BA25-7E9D1A4215EE}" type="datetimeFigureOut">
               <a:rPr lang="en-US" noProof="0" smtClean="0"/>
-              <a:t>9/16/2025</a:t>
+              <a:t>9/19/2025</a:t>
             </a:fld>
             <a:endParaRPr lang="en-US" noProof="0" dirty="0"/>
           </a:p>
@@ -2463,7 +2470,7 @@
           <a:p>
             <a:fld id="{74929172-4BF7-429F-BA25-7E9D1A4215EE}" type="datetimeFigureOut">
               <a:rPr lang="en-US" noProof="0" smtClean="0"/>
-              <a:t>9/16/2025</a:t>
+              <a:t>9/19/2025</a:t>
             </a:fld>
             <a:endParaRPr lang="en-US" noProof="0" dirty="0"/>
           </a:p>
@@ -2581,7 +2588,7 @@
           <a:p>
             <a:fld id="{74929172-4BF7-429F-BA25-7E9D1A4215EE}" type="datetimeFigureOut">
               <a:rPr lang="en-US" noProof="0" smtClean="0"/>
-              <a:t>9/16/2025</a:t>
+              <a:t>9/19/2025</a:t>
             </a:fld>
             <a:endParaRPr lang="en-US" noProof="0" dirty="0"/>
           </a:p>
@@ -2676,7 +2683,7 @@
           <a:p>
             <a:fld id="{74929172-4BF7-429F-BA25-7E9D1A4215EE}" type="datetimeFigureOut">
               <a:rPr lang="en-US" noProof="0" smtClean="0"/>
-              <a:t>9/16/2025</a:t>
+              <a:t>9/19/2025</a:t>
             </a:fld>
             <a:endParaRPr lang="en-US" noProof="0" dirty="0"/>
           </a:p>
@@ -2968,7 +2975,7 @@
           <a:p>
             <a:fld id="{74929172-4BF7-429F-BA25-7E9D1A4215EE}" type="datetimeFigureOut">
               <a:rPr lang="en-US" noProof="0" smtClean="0"/>
-              <a:t>9/16/2025</a:t>
+              <a:t>9/19/2025</a:t>
             </a:fld>
             <a:endParaRPr lang="en-US" noProof="0" dirty="0"/>
           </a:p>
@@ -3290,7 +3297,7 @@
           <a:p>
             <a:fld id="{74929172-4BF7-429F-BA25-7E9D1A4215EE}" type="datetimeFigureOut">
               <a:rPr lang="en-US" noProof="0" smtClean="0"/>
-              <a:t>9/16/2025</a:t>
+              <a:t>9/19/2025</a:t>
             </a:fld>
             <a:endParaRPr lang="en-US" noProof="0" dirty="0"/>
           </a:p>
@@ -3544,7 +3551,7 @@
           <a:p>
             <a:fld id="{74929172-4BF7-429F-BA25-7E9D1A4215EE}" type="datetimeFigureOut">
               <a:rPr lang="en-US" noProof="0" smtClean="0"/>
-              <a:t>9/16/2025</a:t>
+              <a:t>9/19/2025</a:t>
             </a:fld>
             <a:endParaRPr lang="en-US" noProof="0" dirty="0"/>
           </a:p>
@@ -4147,12 +4154,12 @@
           <a:lstStyle/>
           <a:p>
             <a:r>
-              <a:rPr lang="en-US" dirty="0">
+              <a:rPr lang="en-US" dirty="0" smtClean="0">
                 <a:solidFill>
                   <a:srgbClr val="FFFF00"/>
                 </a:solidFill>
               </a:rPr>
-              <a:t>JSON Data Types</a:t>
+              <a:t>JSON example </a:t>
             </a:r>
             <a:endParaRPr lang="en-US" dirty="0">
               <a:solidFill>
@@ -4183,61 +4190,171 @@
               <a:buNone/>
             </a:pPr>
             <a:r>
-              <a:rPr lang="en-US" b="1" dirty="0"/>
-              <a:t>JSON values </a:t>
-            </a:r>
-            <a:r>
-              <a:rPr lang="en-US" b="1" i="1" dirty="0"/>
-              <a:t>cannot</a:t>
-            </a:r>
-            <a:r>
-              <a:rPr lang="en-US" b="1" dirty="0"/>
-              <a:t> be one of the following data types:</a:t>
-            </a:r>
-            <a:r>
-              <a:rPr lang="en-US" dirty="0"/>
-              <a:t/>
-            </a:r>
-            <a:br>
-              <a:rPr lang="en-US" dirty="0"/>
-            </a:br>
-            <a:r>
-              <a:rPr lang="en-US" dirty="0" smtClean="0"/>
-              <a:t> </a:t>
-            </a:r>
-          </a:p>
-          <a:p>
-            <a:r>
-              <a:rPr lang="en-US" dirty="0" smtClean="0"/>
-              <a:t>a function</a:t>
-            </a:r>
-          </a:p>
-          <a:p>
-            <a:r>
-              <a:rPr lang="en-US" dirty="0" smtClean="0"/>
-              <a:t>a date</a:t>
-            </a:r>
-          </a:p>
-          <a:p>
-            <a:r>
-              <a:rPr lang="en-US" dirty="0" smtClean="0"/>
-              <a:t> </a:t>
-            </a:r>
-            <a:r>
-              <a:rPr lang="en-US" i="1" dirty="0"/>
-              <a:t>undefined</a:t>
+              <a:rPr lang="en-US" dirty="0" smtClean="0">
+                <a:latin typeface="Arial" panose="020B0604020202020204" pitchFamily="34" charset="0"/>
+                <a:cs typeface="Arial" panose="020B0604020202020204" pitchFamily="34" charset="0"/>
+              </a:rPr>
+              <a:t>{</a:t>
+            </a:r>
+          </a:p>
+          <a:p>
+            <a:pPr marL="0" indent="0">
+              <a:buNone/>
+            </a:pPr>
+            <a:r>
+              <a:rPr lang="en-US" dirty="0" smtClean="0">
+                <a:latin typeface="Arial" panose="020B0604020202020204" pitchFamily="34" charset="0"/>
+                <a:cs typeface="Arial" panose="020B0604020202020204" pitchFamily="34" charset="0"/>
+              </a:rPr>
+              <a:t>“Name</a:t>
+            </a:r>
+            <a:r>
+              <a:rPr lang="en-US" dirty="0">
+                <a:latin typeface="Arial" panose="020B0604020202020204" pitchFamily="34" charset="0"/>
+                <a:cs typeface="Arial" panose="020B0604020202020204" pitchFamily="34" charset="0"/>
+              </a:rPr>
+              <a:t>": "Raj</a:t>
+            </a:r>
+            <a:r>
+              <a:rPr lang="en-US" dirty="0" smtClean="0">
+                <a:latin typeface="Arial" panose="020B0604020202020204" pitchFamily="34" charset="0"/>
+                <a:cs typeface="Arial" panose="020B0604020202020204" pitchFamily="34" charset="0"/>
+              </a:rPr>
+              <a:t>",</a:t>
+            </a:r>
+          </a:p>
+          <a:p>
+            <a:pPr marL="0" indent="0">
+              <a:buNone/>
+            </a:pPr>
+            <a:r>
+              <a:rPr lang="en-US" dirty="0" smtClean="0">
+                <a:latin typeface="Arial" panose="020B0604020202020204" pitchFamily="34" charset="0"/>
+                <a:cs typeface="Arial" panose="020B0604020202020204" pitchFamily="34" charset="0"/>
+              </a:rPr>
+              <a:t> "Age</a:t>
+            </a:r>
+            <a:r>
+              <a:rPr lang="en-US" dirty="0">
+                <a:latin typeface="Arial" panose="020B0604020202020204" pitchFamily="34" charset="0"/>
+                <a:cs typeface="Arial" panose="020B0604020202020204" pitchFamily="34" charset="0"/>
+              </a:rPr>
+              <a:t>": "23</a:t>
+            </a:r>
+            <a:r>
+              <a:rPr lang="en-US" dirty="0" smtClean="0">
+                <a:latin typeface="Arial" panose="020B0604020202020204" pitchFamily="34" charset="0"/>
+                <a:cs typeface="Arial" panose="020B0604020202020204" pitchFamily="34" charset="0"/>
+              </a:rPr>
+              <a:t>",</a:t>
+            </a:r>
+          </a:p>
+          <a:p>
+            <a:pPr marL="0" indent="0">
+              <a:buNone/>
+            </a:pPr>
+            <a:r>
+              <a:rPr lang="en-US" dirty="0" smtClean="0">
+                <a:latin typeface="Arial" panose="020B0604020202020204" pitchFamily="34" charset="0"/>
+                <a:cs typeface="Arial" panose="020B0604020202020204" pitchFamily="34" charset="0"/>
+              </a:rPr>
+              <a:t> “City</a:t>
+            </a:r>
+            <a:r>
+              <a:rPr lang="en-US" dirty="0">
+                <a:latin typeface="Arial" panose="020B0604020202020204" pitchFamily="34" charset="0"/>
+                <a:cs typeface="Arial" panose="020B0604020202020204" pitchFamily="34" charset="0"/>
+              </a:rPr>
+              <a:t>": "</a:t>
+            </a:r>
+            <a:r>
+              <a:rPr lang="en-US" dirty="0" smtClean="0">
+                <a:latin typeface="Arial" panose="020B0604020202020204" pitchFamily="34" charset="0"/>
+                <a:cs typeface="Arial" panose="020B0604020202020204" pitchFamily="34" charset="0"/>
+              </a:rPr>
+              <a:t>CNB“,</a:t>
+            </a:r>
+          </a:p>
+          <a:p>
+            <a:pPr marL="0" indent="0">
+              <a:buNone/>
+            </a:pPr>
+            <a:r>
+              <a:rPr lang="en-US" dirty="0" smtClean="0">
+                <a:latin typeface="Arial" panose="020B0604020202020204" pitchFamily="34" charset="0"/>
+                <a:cs typeface="Arial" panose="020B0604020202020204" pitchFamily="34" charset="0"/>
+              </a:rPr>
+              <a:t>“Mobile”:643648638</a:t>
             </a:r>
             <a:endParaRPr lang="en-US" dirty="0">
               <a:latin typeface="Arial" panose="020B0604020202020204" pitchFamily="34" charset="0"/>
               <a:cs typeface="Arial" panose="020B0604020202020204" pitchFamily="34" charset="0"/>
             </a:endParaRPr>
           </a:p>
+          <a:p>
+            <a:pPr marL="0" indent="0">
+              <a:buNone/>
+            </a:pPr>
+            <a:r>
+              <a:rPr lang="en-US" dirty="0">
+                <a:latin typeface="Arial" panose="020B0604020202020204" pitchFamily="34" charset="0"/>
+                <a:cs typeface="Arial" panose="020B0604020202020204" pitchFamily="34" charset="0"/>
+              </a:rPr>
+              <a:t>  </a:t>
+            </a:r>
+            <a:r>
+              <a:rPr lang="en-US" dirty="0" smtClean="0">
+                <a:latin typeface="Arial" panose="020B0604020202020204" pitchFamily="34" charset="0"/>
+                <a:cs typeface="Arial" panose="020B0604020202020204" pitchFamily="34" charset="0"/>
+              </a:rPr>
+              <a:t>“Courses": [“</a:t>
+            </a:r>
+            <a:r>
+              <a:rPr lang="en-US" dirty="0" err="1" smtClean="0">
+                <a:latin typeface="Arial" panose="020B0604020202020204" pitchFamily="34" charset="0"/>
+                <a:cs typeface="Arial" panose="020B0604020202020204" pitchFamily="34" charset="0"/>
+              </a:rPr>
+              <a:t>Java”,”python”,”Artificial</a:t>
+            </a:r>
+            <a:r>
+              <a:rPr lang="en-US" dirty="0" smtClean="0">
+                <a:latin typeface="Arial" panose="020B0604020202020204" pitchFamily="34" charset="0"/>
+                <a:cs typeface="Arial" panose="020B0604020202020204" pitchFamily="34" charset="0"/>
+              </a:rPr>
+              <a:t> Intelligence”]</a:t>
+            </a:r>
+            <a:endParaRPr lang="en-US" dirty="0">
+              <a:latin typeface="Arial" panose="020B0604020202020204" pitchFamily="34" charset="0"/>
+              <a:cs typeface="Arial" panose="020B0604020202020204" pitchFamily="34" charset="0"/>
+            </a:endParaRPr>
+          </a:p>
+          <a:p>
+            <a:pPr marL="0" indent="0">
+              <a:buNone/>
+            </a:pPr>
+            <a:r>
+              <a:rPr lang="en-US" dirty="0">
+                <a:latin typeface="Arial" panose="020B0604020202020204" pitchFamily="34" charset="0"/>
+                <a:cs typeface="Arial" panose="020B0604020202020204" pitchFamily="34" charset="0"/>
+              </a:rPr>
+              <a:t>}</a:t>
+            </a:r>
+          </a:p>
+          <a:p>
+            <a:pPr marL="0" indent="0">
+              <a:buNone/>
+            </a:pPr>
+            <a:endParaRPr lang="en-US" dirty="0">
+              <a:latin typeface="Arial" panose="020B0604020202020204" pitchFamily="34" charset="0"/>
+              <a:cs typeface="Arial" panose="020B0604020202020204" pitchFamily="34" charset="0"/>
+            </a:endParaRPr>
+          </a:p>
         </p:txBody>
       </p:sp>
     </p:spTree>
     <p:extLst>
       <p:ext uri="{BB962C8B-B14F-4D97-AF65-F5344CB8AC3E}">
-        <p14:creationId xmlns:p14="http://schemas.microsoft.com/office/powerpoint/2010/main" val="932897175"/>
+        <p14:creationId xmlns:p14="http://schemas.microsoft.com/office/powerpoint/2010/main" val="204725316"/>
       </p:ext>
     </p:extLst>
   </p:cSld>
@@ -4297,13 +4414,8 @@
                   <a:srgbClr val="FFFF00"/>
                 </a:solidFill>
               </a:rPr>
-              <a:t>JSON Object with Strings</a:t>
-            </a:r>
-            <a:endParaRPr lang="en-US" dirty="0">
-              <a:solidFill>
-                <a:srgbClr val="FFFF00"/>
-              </a:solidFill>
-            </a:endParaRPr>
+              <a:t>JSON Data Types</a:t>
+            </a:r>
           </a:p>
         </p:txBody>
       </p:sp>
@@ -4328,69 +4440,73 @@
               <a:buNone/>
             </a:pPr>
             <a:r>
+              <a:rPr lang="en-US" b="1" dirty="0" smtClean="0"/>
+              <a:t>In </a:t>
+            </a:r>
+            <a:r>
+              <a:rPr lang="en-US" b="1" dirty="0"/>
+              <a:t>JSON, values must be one of the following data types</a:t>
+            </a:r>
+            <a:r>
+              <a:rPr lang="en-US" b="1" dirty="0" smtClean="0"/>
+              <a:t>:</a:t>
+            </a:r>
+            <a:endParaRPr lang="en-US" dirty="0" smtClean="0"/>
+          </a:p>
+          <a:p>
+            <a:r>
+              <a:rPr lang="en-US" dirty="0" smtClean="0"/>
+              <a:t>a string</a:t>
+            </a:r>
+          </a:p>
+          <a:p>
+            <a:r>
+              <a:rPr lang="en-US" dirty="0" smtClean="0"/>
+              <a:t>a number</a:t>
+            </a:r>
+          </a:p>
+          <a:p>
+            <a:r>
+              <a:rPr lang="en-US" dirty="0" smtClean="0"/>
+              <a:t>an </a:t>
+            </a:r>
+            <a:r>
               <a:rPr lang="en-US" dirty="0"/>
-              <a:t/>
-            </a:r>
-            <a:br>
-              <a:rPr lang="en-US" dirty="0"/>
-            </a:br>
-            <a:r>
-              <a:rPr lang="en-US" dirty="0"/>
-              <a:t> The string value must be enclosed within double quote</a:t>
+              <a:t>object (JSON </a:t>
             </a:r>
             <a:r>
               <a:rPr lang="en-US" dirty="0" smtClean="0"/>
-              <a:t>.</a:t>
-            </a:r>
-          </a:p>
-          <a:p>
-            <a:pPr marL="0" indent="0">
-              <a:buNone/>
-            </a:pPr>
-            <a:r>
-              <a:rPr lang="en-US" dirty="0"/>
-              <a:t>{</a:t>
-            </a:r>
-          </a:p>
-          <a:p>
-            <a:pPr marL="0" indent="0">
-              <a:buNone/>
-            </a:pPr>
-            <a:r>
-              <a:rPr lang="en-US" dirty="0"/>
-              <a:t>  "name": "Raj",</a:t>
-            </a:r>
-          </a:p>
-          <a:p>
-            <a:pPr marL="0" indent="0">
-              <a:buNone/>
-            </a:pPr>
-            <a:r>
-              <a:rPr lang="en-US" dirty="0"/>
-              <a:t>  "email": "raj.singh@gmail.com"</a:t>
-            </a:r>
-          </a:p>
-          <a:p>
-            <a:pPr marL="0" indent="0">
-              <a:buNone/>
-            </a:pPr>
-            <a:r>
-              <a:rPr lang="en-US" dirty="0"/>
-              <a:t>}</a:t>
-            </a:r>
-          </a:p>
-          <a:p>
-            <a:pPr marL="0" indent="0">
-              <a:buNone/>
-            </a:pPr>
-            <a:endParaRPr lang="en-US" dirty="0" smtClean="0"/>
+              <a:t>object)</a:t>
+            </a:r>
+          </a:p>
+          <a:p>
+            <a:r>
+              <a:rPr lang="en-US" dirty="0" smtClean="0"/>
+              <a:t>an array</a:t>
+            </a:r>
+          </a:p>
+          <a:p>
+            <a:r>
+              <a:rPr lang="en-US" dirty="0" smtClean="0"/>
+              <a:t>a Boolean</a:t>
+            </a:r>
+          </a:p>
+          <a:p>
+            <a:r>
+              <a:rPr lang="en-US" dirty="0" smtClean="0"/>
+              <a:t>null</a:t>
+            </a:r>
+            <a:endParaRPr lang="en-US" dirty="0">
+              <a:latin typeface="Arial" panose="020B0604020202020204" pitchFamily="34" charset="0"/>
+              <a:cs typeface="Arial" panose="020B0604020202020204" pitchFamily="34" charset="0"/>
+            </a:endParaRPr>
           </a:p>
         </p:txBody>
       </p:sp>
     </p:spTree>
     <p:extLst>
       <p:ext uri="{BB962C8B-B14F-4D97-AF65-F5344CB8AC3E}">
-        <p14:creationId xmlns:p14="http://schemas.microsoft.com/office/powerpoint/2010/main" val="2227042244"/>
+        <p14:creationId xmlns:p14="http://schemas.microsoft.com/office/powerpoint/2010/main" val="1494311001"/>
       </p:ext>
     </p:extLst>
   </p:cSld>
@@ -4450,7 +4566,501 @@
                   <a:srgbClr val="FFFF00"/>
                 </a:solidFill>
               </a:rPr>
+              <a:t>JSON Data Types</a:t>
+            </a:r>
+          </a:p>
+        </p:txBody>
+      </p:sp>
+      <p:sp>
+        <p:nvSpPr>
+          <p:cNvPr id="5" name="Content Placeholder 4"/>
+          <p:cNvSpPr>
+            <a:spLocks noGrp="1"/>
+          </p:cNvSpPr>
+          <p:nvPr>
+            <p:ph idx="1"/>
+          </p:nvPr>
+        </p:nvSpPr>
+        <p:spPr/>
+        <p:txBody>
+          <a:bodyPr>
+            <a:normAutofit/>
+          </a:bodyPr>
+          <a:lstStyle/>
+          <a:p>
+            <a:pPr marL="0" indent="0">
+              <a:buNone/>
+            </a:pPr>
+            <a:r>
+              <a:rPr lang="en-US" b="1" dirty="0"/>
+              <a:t>JSON values </a:t>
+            </a:r>
+            <a:r>
+              <a:rPr lang="en-US" b="1" i="1" dirty="0"/>
+              <a:t>cannot</a:t>
+            </a:r>
+            <a:r>
+              <a:rPr lang="en-US" b="1" dirty="0"/>
+              <a:t> be one of the following data types:</a:t>
+            </a:r>
+            <a:r>
+              <a:rPr lang="en-US" dirty="0"/>
+              <a:t/>
+            </a:r>
+            <a:br>
+              <a:rPr lang="en-US" dirty="0"/>
+            </a:br>
+            <a:r>
+              <a:rPr lang="en-US" dirty="0" smtClean="0"/>
+              <a:t> </a:t>
+            </a:r>
+          </a:p>
+          <a:p>
+            <a:r>
+              <a:rPr lang="en-US" dirty="0" smtClean="0"/>
+              <a:t>a function</a:t>
+            </a:r>
+          </a:p>
+          <a:p>
+            <a:r>
+              <a:rPr lang="en-US" dirty="0" smtClean="0"/>
+              <a:t>a date</a:t>
+            </a:r>
+          </a:p>
+          <a:p>
+            <a:r>
+              <a:rPr lang="en-US" dirty="0" smtClean="0"/>
+              <a:t> </a:t>
+            </a:r>
+            <a:r>
+              <a:rPr lang="en-US" i="1" dirty="0"/>
+              <a:t>undefined</a:t>
+            </a:r>
+            <a:endParaRPr lang="en-US" dirty="0">
+              <a:latin typeface="Arial" panose="020B0604020202020204" pitchFamily="34" charset="0"/>
+              <a:cs typeface="Arial" panose="020B0604020202020204" pitchFamily="34" charset="0"/>
+            </a:endParaRPr>
+          </a:p>
+        </p:txBody>
+      </p:sp>
+    </p:spTree>
+    <p:extLst>
+      <p:ext uri="{BB962C8B-B14F-4D97-AF65-F5344CB8AC3E}">
+        <p14:creationId xmlns:p14="http://schemas.microsoft.com/office/powerpoint/2010/main" val="932897175"/>
+      </p:ext>
+    </p:extLst>
+  </p:cSld>
+  <p:clrMapOvr>
+    <a:masterClrMapping/>
+  </p:clrMapOvr>
+</p:sld>
+</file>
+
+<file path=ppt/slides/slide13.xml><?xml version="1.0" encoding="utf-8"?>
+<p:sld xmlns:a="http://schemas.openxmlformats.org/drawingml/2006/main" xmlns:r="http://schemas.openxmlformats.org/officeDocument/2006/relationships" xmlns:p="http://schemas.openxmlformats.org/presentationml/2006/main">
+  <p:cSld>
+    <p:spTree>
+      <p:nvGrpSpPr>
+        <p:cNvPr id="1" name=""/>
+        <p:cNvGrpSpPr/>
+        <p:nvPr/>
+      </p:nvGrpSpPr>
+      <p:grpSpPr>
+        <a:xfrm>
+          <a:off x="0" y="0"/>
+          <a:ext cx="0" cy="0"/>
+          <a:chOff x="0" y="0"/>
+          <a:chExt cx="0" cy="0"/>
+        </a:xfrm>
+      </p:grpSpPr>
+      <p:sp>
+        <p:nvSpPr>
+          <p:cNvPr id="4" name="Title 3"/>
+          <p:cNvSpPr>
+            <a:spLocks noGrp="1"/>
+          </p:cNvSpPr>
+          <p:nvPr>
+            <p:ph type="title"/>
+          </p:nvPr>
+        </p:nvSpPr>
+        <p:spPr>
+          <a:xfrm>
+            <a:off x="1261872" y="487110"/>
+            <a:ext cx="9692640" cy="982021"/>
+          </a:xfrm>
+          <a:solidFill>
+            <a:schemeClr val="tx2">
+              <a:lumMod val="75000"/>
+            </a:schemeClr>
+          </a:solidFill>
+        </p:spPr>
+        <p:txBody>
+          <a:bodyPr>
+            <a:normAutofit/>
+          </a:bodyPr>
+          <a:lstStyle/>
+          <a:p>
+            <a:r>
+              <a:rPr lang="en-US" dirty="0">
+                <a:solidFill>
+                  <a:srgbClr val="FFFF00"/>
+                </a:solidFill>
+              </a:rPr>
+              <a:t>JSON Object with Strings</a:t>
+            </a:r>
+          </a:p>
+        </p:txBody>
+      </p:sp>
+      <p:sp>
+        <p:nvSpPr>
+          <p:cNvPr id="5" name="Content Placeholder 4"/>
+          <p:cNvSpPr>
+            <a:spLocks noGrp="1"/>
+          </p:cNvSpPr>
+          <p:nvPr>
+            <p:ph idx="1"/>
+          </p:nvPr>
+        </p:nvSpPr>
+        <p:spPr/>
+        <p:txBody>
+          <a:bodyPr>
+            <a:normAutofit/>
+          </a:bodyPr>
+          <a:lstStyle/>
+          <a:p>
+            <a:pPr marL="0" indent="0">
+              <a:buNone/>
+            </a:pPr>
+            <a:r>
+              <a:rPr lang="en-US" dirty="0"/>
+              <a:t/>
+            </a:r>
+            <a:br>
+              <a:rPr lang="en-US" dirty="0"/>
+            </a:br>
+            <a:r>
+              <a:rPr lang="en-US" dirty="0"/>
+              <a:t> The string value must be enclosed within double quote</a:t>
+            </a:r>
+            <a:r>
+              <a:rPr lang="en-US" dirty="0" smtClean="0"/>
+              <a:t>.</a:t>
+            </a:r>
+          </a:p>
+          <a:p>
+            <a:pPr marL="0" indent="0">
+              <a:buNone/>
+            </a:pPr>
+            <a:r>
+              <a:rPr lang="en-US" dirty="0"/>
+              <a:t>{</a:t>
+            </a:r>
+          </a:p>
+          <a:p>
+            <a:pPr marL="0" indent="0">
+              <a:buNone/>
+            </a:pPr>
+            <a:r>
+              <a:rPr lang="en-US" dirty="0"/>
+              <a:t>  "name": "Raj",</a:t>
+            </a:r>
+          </a:p>
+          <a:p>
+            <a:pPr marL="0" indent="0">
+              <a:buNone/>
+            </a:pPr>
+            <a:r>
+              <a:rPr lang="en-US" dirty="0"/>
+              <a:t>  "email": "raj.singh@gmail.com"</a:t>
+            </a:r>
+          </a:p>
+          <a:p>
+            <a:pPr marL="0" indent="0">
+              <a:buNone/>
+            </a:pPr>
+            <a:r>
+              <a:rPr lang="en-US" dirty="0"/>
+              <a:t>}</a:t>
+            </a:r>
+          </a:p>
+          <a:p>
+            <a:pPr marL="0" indent="0">
+              <a:buNone/>
+            </a:pPr>
+            <a:endParaRPr lang="en-US" dirty="0" smtClean="0"/>
+          </a:p>
+        </p:txBody>
+      </p:sp>
+    </p:spTree>
+    <p:extLst>
+      <p:ext uri="{BB962C8B-B14F-4D97-AF65-F5344CB8AC3E}">
+        <p14:creationId xmlns:p14="http://schemas.microsoft.com/office/powerpoint/2010/main" val="2227042244"/>
+      </p:ext>
+    </p:extLst>
+  </p:cSld>
+  <p:clrMapOvr>
+    <a:masterClrMapping/>
+  </p:clrMapOvr>
+</p:sld>
+</file>
+
+<file path=ppt/slides/slide14.xml><?xml version="1.0" encoding="utf-8"?>
+<p:sld xmlns:a="http://schemas.openxmlformats.org/drawingml/2006/main" xmlns:r="http://schemas.openxmlformats.org/officeDocument/2006/relationships" xmlns:p="http://schemas.openxmlformats.org/presentationml/2006/main">
+  <p:cSld>
+    <p:spTree>
+      <p:nvGrpSpPr>
+        <p:cNvPr id="1" name=""/>
+        <p:cNvGrpSpPr/>
+        <p:nvPr/>
+      </p:nvGrpSpPr>
+      <p:grpSpPr>
+        <a:xfrm>
+          <a:off x="0" y="0"/>
+          <a:ext cx="0" cy="0"/>
+          <a:chOff x="0" y="0"/>
+          <a:chExt cx="0" cy="0"/>
+        </a:xfrm>
+      </p:grpSpPr>
+      <p:sp>
+        <p:nvSpPr>
+          <p:cNvPr id="4" name="Title 3"/>
+          <p:cNvSpPr>
+            <a:spLocks noGrp="1"/>
+          </p:cNvSpPr>
+          <p:nvPr>
+            <p:ph type="title"/>
+          </p:nvPr>
+        </p:nvSpPr>
+        <p:spPr>
+          <a:xfrm>
+            <a:off x="1261872" y="487110"/>
+            <a:ext cx="9692640" cy="982021"/>
+          </a:xfrm>
+          <a:solidFill>
+            <a:schemeClr val="tx2">
+              <a:lumMod val="75000"/>
+            </a:schemeClr>
+          </a:solidFill>
+        </p:spPr>
+        <p:txBody>
+          <a:bodyPr>
+            <a:normAutofit/>
+          </a:bodyPr>
+          <a:lstStyle/>
+          <a:p>
+            <a:r>
+              <a:rPr lang="en-US" dirty="0">
+                <a:solidFill>
+                  <a:srgbClr val="FFFF00"/>
+                </a:solidFill>
+              </a:rPr>
               <a:t>JSON Object with Numbers</a:t>
+            </a:r>
+          </a:p>
+        </p:txBody>
+      </p:sp>
+      <p:sp>
+        <p:nvSpPr>
+          <p:cNvPr id="5" name="Content Placeholder 4"/>
+          <p:cNvSpPr>
+            <a:spLocks noGrp="1"/>
+          </p:cNvSpPr>
+          <p:nvPr>
+            <p:ph idx="1"/>
+          </p:nvPr>
+        </p:nvSpPr>
+        <p:spPr/>
+        <p:txBody>
+          <a:bodyPr>
+            <a:normAutofit fontScale="92500" lnSpcReduction="10000"/>
+          </a:bodyPr>
+          <a:lstStyle/>
+          <a:p>
+            <a:pPr marL="0" indent="0">
+              <a:lnSpc>
+                <a:spcPct val="160000"/>
+              </a:lnSpc>
+              <a:buNone/>
+            </a:pPr>
+            <a:r>
+              <a:rPr lang="en-US" dirty="0" smtClean="0"/>
+              <a:t>JSON </a:t>
+            </a:r>
+            <a:r>
+              <a:rPr lang="en-US" dirty="0"/>
+              <a:t>supports numbers in double precision floating-point format.</a:t>
+            </a:r>
+            <a:br>
+              <a:rPr lang="en-US" dirty="0"/>
+            </a:br>
+            <a:r>
+              <a:rPr lang="en-US" dirty="0"/>
+              <a:t>The number can be</a:t>
+            </a:r>
+            <a:r>
+              <a:rPr lang="en-US" dirty="0" smtClean="0"/>
+              <a:t>:</a:t>
+            </a:r>
+          </a:p>
+          <a:p>
+            <a:r>
+              <a:rPr lang="pt-BR" sz="1400" dirty="0"/>
+              <a:t>Digits (0–9)</a:t>
+            </a:r>
+          </a:p>
+          <a:p>
+            <a:r>
+              <a:rPr lang="pt-BR" sz="1400" dirty="0"/>
+              <a:t>Fractions (.33, .532, etc.)</a:t>
+            </a:r>
+          </a:p>
+          <a:p>
+            <a:r>
+              <a:rPr lang="pt-BR" sz="1400" dirty="0"/>
+              <a:t>Exponents (e, e+, e-, E, E+, E-)</a:t>
+            </a:r>
+          </a:p>
+          <a:p>
+            <a:pPr marL="0" indent="0">
+              <a:buNone/>
+            </a:pPr>
+            <a:r>
+              <a:rPr lang="fr-FR" dirty="0"/>
+              <a:t>{</a:t>
+            </a:r>
+          </a:p>
+          <a:p>
+            <a:pPr marL="0" indent="0">
+              <a:buNone/>
+            </a:pPr>
+            <a:r>
+              <a:rPr lang="fr-FR" dirty="0"/>
+              <a:t>  "</a:t>
+            </a:r>
+            <a:r>
+              <a:rPr lang="fr-FR" dirty="0" err="1"/>
+              <a:t>integer</a:t>
+            </a:r>
+            <a:r>
+              <a:rPr lang="fr-FR" dirty="0"/>
+              <a:t>": 34,</a:t>
+            </a:r>
+          </a:p>
+          <a:p>
+            <a:pPr marL="0" indent="0">
+              <a:buNone/>
+            </a:pPr>
+            <a:r>
+              <a:rPr lang="fr-FR" dirty="0"/>
+              <a:t>  "fraction": 0.2145,</a:t>
+            </a:r>
+          </a:p>
+          <a:p>
+            <a:pPr marL="0" indent="0">
+              <a:buNone/>
+            </a:pPr>
+            <a:r>
+              <a:rPr lang="fr-FR" dirty="0"/>
+              <a:t>  "</a:t>
+            </a:r>
+            <a:r>
+              <a:rPr lang="fr-FR" dirty="0" err="1"/>
+              <a:t>exponent</a:t>
+            </a:r>
+            <a:r>
+              <a:rPr lang="fr-FR" dirty="0"/>
+              <a:t>": 6.61789e+0</a:t>
+            </a:r>
+          </a:p>
+          <a:p>
+            <a:pPr marL="0" indent="0">
+              <a:buNone/>
+            </a:pPr>
+            <a:r>
+              <a:rPr lang="fr-FR" dirty="0"/>
+              <a:t>}</a:t>
+            </a:r>
+          </a:p>
+          <a:p>
+            <a:pPr marL="0" indent="0">
+              <a:buNone/>
+            </a:pPr>
+            <a:endParaRPr lang="en-US" dirty="0" smtClean="0"/>
+          </a:p>
+        </p:txBody>
+      </p:sp>
+    </p:spTree>
+    <p:extLst>
+      <p:ext uri="{BB962C8B-B14F-4D97-AF65-F5344CB8AC3E}">
+        <p14:creationId xmlns:p14="http://schemas.microsoft.com/office/powerpoint/2010/main" val="403113748"/>
+      </p:ext>
+    </p:extLst>
+  </p:cSld>
+  <p:clrMapOvr>
+    <a:masterClrMapping/>
+  </p:clrMapOvr>
+</p:sld>
+</file>
+
+<file path=ppt/slides/slide15.xml><?xml version="1.0" encoding="utf-8"?>
+<p:sld xmlns:a="http://schemas.openxmlformats.org/drawingml/2006/main" xmlns:r="http://schemas.openxmlformats.org/officeDocument/2006/relationships" xmlns:p="http://schemas.openxmlformats.org/presentationml/2006/main">
+  <p:cSld>
+    <p:spTree>
+      <p:nvGrpSpPr>
+        <p:cNvPr id="1" name=""/>
+        <p:cNvGrpSpPr/>
+        <p:nvPr/>
+      </p:nvGrpSpPr>
+      <p:grpSpPr>
+        <a:xfrm>
+          <a:off x="0" y="0"/>
+          <a:ext cx="0" cy="0"/>
+          <a:chOff x="0" y="0"/>
+          <a:chExt cx="0" cy="0"/>
+        </a:xfrm>
+      </p:grpSpPr>
+      <p:sp>
+        <p:nvSpPr>
+          <p:cNvPr id="4" name="Title 3"/>
+          <p:cNvSpPr>
+            <a:spLocks noGrp="1"/>
+          </p:cNvSpPr>
+          <p:nvPr>
+            <p:ph type="title"/>
+          </p:nvPr>
+        </p:nvSpPr>
+        <p:spPr>
+          <a:xfrm>
+            <a:off x="1261872" y="487110"/>
+            <a:ext cx="9692640" cy="982021"/>
+          </a:xfrm>
+          <a:solidFill>
+            <a:schemeClr val="tx2">
+              <a:lumMod val="75000"/>
+            </a:schemeClr>
+          </a:solidFill>
+        </p:spPr>
+        <p:txBody>
+          <a:bodyPr>
+            <a:normAutofit/>
+          </a:bodyPr>
+          <a:lstStyle/>
+          <a:p>
+            <a:r>
+              <a:rPr lang="en-US" dirty="0">
+                <a:solidFill>
+                  <a:srgbClr val="FFFF00"/>
+                </a:solidFill>
+              </a:rPr>
+              <a:t>JSON Object with </a:t>
+            </a:r>
+            <a:r>
+              <a:rPr lang="en-US" dirty="0" smtClean="0">
+                <a:solidFill>
+                  <a:srgbClr val="FFFF00"/>
+                </a:solidFill>
+              </a:rPr>
+              <a:t>Objects</a:t>
             </a:r>
             <a:endParaRPr lang="en-US" dirty="0">
               <a:solidFill>
@@ -4473,52 +5083,77 @@
         <p:spPr/>
         <p:txBody>
           <a:bodyPr>
-            <a:normAutofit fontScale="92500" lnSpcReduction="10000"/>
+            <a:normAutofit/>
           </a:bodyPr>
           <a:lstStyle/>
           <a:p>
             <a:pPr marL="0" indent="0">
-              <a:lnSpc>
-                <a:spcPct val="160000"/>
-              </a:lnSpc>
               <a:buNone/>
             </a:pPr>
             <a:r>
               <a:rPr lang="en-US" dirty="0" smtClean="0"/>
-              <a:t>JSON </a:t>
+              <a:t>Values </a:t>
             </a:r>
             <a:r>
               <a:rPr lang="en-US" dirty="0"/>
-              <a:t>supports numbers in double precision floating-point format.</a:t>
-            </a:r>
-            <a:br>
+              <a:t>in JSON can be objects</a:t>
+            </a:r>
+            <a:r>
+              <a:rPr lang="en-US" dirty="0" smtClean="0"/>
+              <a:t>.</a:t>
+            </a:r>
+          </a:p>
+          <a:p>
+            <a:pPr marL="0" indent="0">
+              <a:buNone/>
+            </a:pPr>
+            <a:endParaRPr lang="en-US" dirty="0"/>
+          </a:p>
+          <a:p>
+            <a:pPr marL="0" indent="0">
+              <a:buNone/>
+            </a:pPr>
+            <a:r>
               <a:rPr lang="en-US" dirty="0"/>
-            </a:br>
+              <a:t>Example:</a:t>
+            </a:r>
+          </a:p>
+          <a:p>
+            <a:pPr marL="0" indent="0">
+              <a:buNone/>
+            </a:pPr>
             <a:r>
               <a:rPr lang="en-US" dirty="0"/>
-              <a:t>The number can be</a:t>
-            </a:r>
+              <a:t>{</a:t>
+            </a:r>
+          </a:p>
+          <a:p>
+            <a:pPr marL="0" indent="0">
+              <a:buNone/>
+            </a:pPr>
             <a:r>
               <a:rPr lang="en-US" dirty="0" smtClean="0"/>
-              <a:t>:</a:t>
-            </a:r>
-          </a:p>
-          <a:p>
-            <a:r>
-              <a:rPr lang="pt-BR" sz="1400" dirty="0"/>
-              <a:t>Digits (0–9)</a:t>
-            </a:r>
-          </a:p>
-          <a:p>
-            <a:r>
-              <a:rPr lang="pt-BR" sz="1400" dirty="0"/>
-              <a:t>Fractions (.33, .532, etc.)</a:t>
-            </a:r>
-          </a:p>
-          <a:p>
-            <a:r>
-              <a:rPr lang="pt-BR" sz="1400" dirty="0"/>
-              <a:t>Exponents (e, e+, e-, E, E+, E-)</a:t>
+              <a:t>"</a:t>
+            </a:r>
+            <a:r>
+              <a:rPr lang="en-US" dirty="0"/>
+              <a:t>employee": { "</a:t>
+            </a:r>
+            <a:r>
+              <a:rPr lang="en-US" dirty="0" err="1"/>
+              <a:t>name":"John</a:t>
+            </a:r>
+            <a:r>
+              <a:rPr lang="en-US" dirty="0"/>
+              <a:t>", "age":30, "</a:t>
+            </a:r>
+            <a:r>
+              <a:rPr lang="en-US" dirty="0" err="1"/>
+              <a:t>city":"New</a:t>
+            </a:r>
+            <a:r>
+              <a:rPr lang="en-US" dirty="0"/>
+              <a:t> York" }</a:t>
             </a:r>
           </a:p>
           <a:p>
@@ -4526,74 +5161,1158 @@
               <a:buNone/>
             </a:pPr>
             <a:r>
-              <a:rPr lang="fr-FR" dirty="0"/>
-              <a:t>{</a:t>
-            </a:r>
-          </a:p>
-          <a:p>
-            <a:pPr marL="0" indent="0">
-              <a:buNone/>
-            </a:pPr>
-            <a:r>
-              <a:rPr lang="fr-FR" dirty="0"/>
-              <a:t>  "</a:t>
-            </a:r>
-            <a:r>
-              <a:rPr lang="fr-FR" dirty="0" err="1"/>
-              <a:t>integer</a:t>
-            </a:r>
-            <a:r>
-              <a:rPr lang="fr-FR" dirty="0"/>
-              <a:t>": 34,</a:t>
-            </a:r>
-          </a:p>
-          <a:p>
-            <a:pPr marL="0" indent="0">
-              <a:buNone/>
-            </a:pPr>
-            <a:r>
-              <a:rPr lang="fr-FR" dirty="0"/>
-              <a:t>  "fraction": 0.2145,</a:t>
-            </a:r>
-          </a:p>
-          <a:p>
-            <a:pPr marL="0" indent="0">
-              <a:buNone/>
-            </a:pPr>
-            <a:r>
-              <a:rPr lang="fr-FR" dirty="0"/>
-              <a:t>  "</a:t>
-            </a:r>
-            <a:r>
-              <a:rPr lang="fr-FR" dirty="0" err="1"/>
-              <a:t>exponent</a:t>
-            </a:r>
-            <a:r>
-              <a:rPr lang="fr-FR" dirty="0"/>
-              <a:t>": 6.61789e+0</a:t>
-            </a:r>
-          </a:p>
-          <a:p>
-            <a:pPr marL="0" indent="0">
-              <a:buNone/>
-            </a:pPr>
-            <a:r>
-              <a:rPr lang="fr-FR" dirty="0"/>
+              <a:rPr lang="en-US" dirty="0"/>
               <a:t>}</a:t>
             </a:r>
-          </a:p>
-          <a:p>
-            <a:pPr marL="0" indent="0">
-              <a:buNone/>
-            </a:pPr>
-            <a:endParaRPr lang="en-US" dirty="0" smtClean="0"/>
           </a:p>
         </p:txBody>
       </p:sp>
     </p:spTree>
     <p:extLst>
       <p:ext uri="{BB962C8B-B14F-4D97-AF65-F5344CB8AC3E}">
-        <p14:creationId xmlns:p14="http://schemas.microsoft.com/office/powerpoint/2010/main" val="403113748"/>
+        <p14:creationId xmlns:p14="http://schemas.microsoft.com/office/powerpoint/2010/main" val="2568850460"/>
+      </p:ext>
+    </p:extLst>
+  </p:cSld>
+  <p:clrMapOvr>
+    <a:masterClrMapping/>
+  </p:clrMapOvr>
+</p:sld>
+</file>
+
+<file path=ppt/slides/slide16.xml><?xml version="1.0" encoding="utf-8"?>
+<p:sld xmlns:a="http://schemas.openxmlformats.org/drawingml/2006/main" xmlns:r="http://schemas.openxmlformats.org/officeDocument/2006/relationships" xmlns:p="http://schemas.openxmlformats.org/presentationml/2006/main">
+  <p:cSld>
+    <p:spTree>
+      <p:nvGrpSpPr>
+        <p:cNvPr id="1" name=""/>
+        <p:cNvGrpSpPr/>
+        <p:nvPr/>
+      </p:nvGrpSpPr>
+      <p:grpSpPr>
+        <a:xfrm>
+          <a:off x="0" y="0"/>
+          <a:ext cx="0" cy="0"/>
+          <a:chOff x="0" y="0"/>
+          <a:chExt cx="0" cy="0"/>
+        </a:xfrm>
+      </p:grpSpPr>
+      <p:sp>
+        <p:nvSpPr>
+          <p:cNvPr id="4" name="Title 3"/>
+          <p:cNvSpPr>
+            <a:spLocks noGrp="1"/>
+          </p:cNvSpPr>
+          <p:nvPr>
+            <p:ph type="title"/>
+          </p:nvPr>
+        </p:nvSpPr>
+        <p:spPr>
+          <a:xfrm>
+            <a:off x="1261872" y="487110"/>
+            <a:ext cx="9692640" cy="982021"/>
+          </a:xfrm>
+          <a:solidFill>
+            <a:schemeClr val="tx2">
+              <a:lumMod val="75000"/>
+            </a:schemeClr>
+          </a:solidFill>
+        </p:spPr>
+        <p:txBody>
+          <a:bodyPr>
+            <a:normAutofit/>
+          </a:bodyPr>
+          <a:lstStyle/>
+          <a:p>
+            <a:r>
+              <a:rPr lang="en-US" dirty="0">
+                <a:solidFill>
+                  <a:srgbClr val="FFFF00"/>
+                </a:solidFill>
+              </a:rPr>
+              <a:t>JSON Object with </a:t>
+            </a:r>
+            <a:r>
+              <a:rPr lang="en-US" dirty="0" smtClean="0">
+                <a:solidFill>
+                  <a:srgbClr val="FFFF00"/>
+                </a:solidFill>
+              </a:rPr>
+              <a:t>Arrays</a:t>
+            </a:r>
+            <a:endParaRPr lang="en-US" dirty="0">
+              <a:solidFill>
+                <a:srgbClr val="FFFF00"/>
+              </a:solidFill>
+            </a:endParaRPr>
+          </a:p>
+        </p:txBody>
+      </p:sp>
+      <p:sp>
+        <p:nvSpPr>
+          <p:cNvPr id="5" name="Content Placeholder 4"/>
+          <p:cNvSpPr>
+            <a:spLocks noGrp="1"/>
+          </p:cNvSpPr>
+          <p:nvPr>
+            <p:ph idx="1"/>
+          </p:nvPr>
+        </p:nvSpPr>
+        <p:spPr/>
+        <p:txBody>
+          <a:bodyPr>
+            <a:normAutofit/>
+          </a:bodyPr>
+          <a:lstStyle/>
+          <a:p>
+            <a:pPr marL="0" indent="0">
+              <a:buNone/>
+            </a:pPr>
+            <a:r>
+              <a:rPr lang="en-US" dirty="0" smtClean="0"/>
+              <a:t>Values </a:t>
+            </a:r>
+            <a:r>
+              <a:rPr lang="en-US" dirty="0"/>
+              <a:t>in JSON can be arrays</a:t>
+            </a:r>
+            <a:r>
+              <a:rPr lang="en-US" dirty="0" smtClean="0"/>
+              <a:t>.</a:t>
+            </a:r>
+          </a:p>
+          <a:p>
+            <a:pPr marL="0" indent="0">
+              <a:buNone/>
+            </a:pPr>
+            <a:endParaRPr lang="en-US" dirty="0"/>
+          </a:p>
+          <a:p>
+            <a:pPr marL="0" indent="0">
+              <a:buNone/>
+            </a:pPr>
+            <a:r>
+              <a:rPr lang="en-US" dirty="0"/>
+              <a:t>Example:</a:t>
+            </a:r>
+          </a:p>
+          <a:p>
+            <a:pPr marL="0" indent="0">
+              <a:buNone/>
+            </a:pPr>
+            <a:r>
+              <a:rPr lang="en-US" dirty="0"/>
+              <a:t>{</a:t>
+            </a:r>
+          </a:p>
+          <a:p>
+            <a:pPr marL="0" indent="0">
+              <a:buNone/>
+            </a:pPr>
+            <a:r>
+              <a:rPr lang="en-US" dirty="0"/>
+              <a:t>"employees": ["John", "Anna", "Peter"]</a:t>
+            </a:r>
+          </a:p>
+          <a:p>
+            <a:pPr marL="0" indent="0">
+              <a:buNone/>
+            </a:pPr>
+            <a:r>
+              <a:rPr lang="en-US" dirty="0"/>
+              <a:t>}</a:t>
+            </a:r>
+          </a:p>
+          <a:p>
+            <a:pPr marL="0" indent="0">
+              <a:buNone/>
+            </a:pPr>
+            <a:endParaRPr lang="en-US" dirty="0" smtClean="0"/>
+          </a:p>
+        </p:txBody>
+      </p:sp>
+    </p:spTree>
+    <p:extLst>
+      <p:ext uri="{BB962C8B-B14F-4D97-AF65-F5344CB8AC3E}">
+        <p14:creationId xmlns:p14="http://schemas.microsoft.com/office/powerpoint/2010/main" val="35551498"/>
+      </p:ext>
+    </p:extLst>
+  </p:cSld>
+  <p:clrMapOvr>
+    <a:masterClrMapping/>
+  </p:clrMapOvr>
+</p:sld>
+</file>
+
+<file path=ppt/slides/slide17.xml><?xml version="1.0" encoding="utf-8"?>
+<p:sld xmlns:a="http://schemas.openxmlformats.org/drawingml/2006/main" xmlns:r="http://schemas.openxmlformats.org/officeDocument/2006/relationships" xmlns:p="http://schemas.openxmlformats.org/presentationml/2006/main">
+  <p:cSld>
+    <p:spTree>
+      <p:nvGrpSpPr>
+        <p:cNvPr id="1" name=""/>
+        <p:cNvGrpSpPr/>
+        <p:nvPr/>
+      </p:nvGrpSpPr>
+      <p:grpSpPr>
+        <a:xfrm>
+          <a:off x="0" y="0"/>
+          <a:ext cx="0" cy="0"/>
+          <a:chOff x="0" y="0"/>
+          <a:chExt cx="0" cy="0"/>
+        </a:xfrm>
+      </p:grpSpPr>
+      <p:sp>
+        <p:nvSpPr>
+          <p:cNvPr id="4" name="Title 3"/>
+          <p:cNvSpPr>
+            <a:spLocks noGrp="1"/>
+          </p:cNvSpPr>
+          <p:nvPr>
+            <p:ph type="title"/>
+          </p:nvPr>
+        </p:nvSpPr>
+        <p:spPr>
+          <a:xfrm>
+            <a:off x="1261872" y="487110"/>
+            <a:ext cx="9692640" cy="982021"/>
+          </a:xfrm>
+          <a:solidFill>
+            <a:schemeClr val="tx2">
+              <a:lumMod val="75000"/>
+            </a:schemeClr>
+          </a:solidFill>
+        </p:spPr>
+        <p:txBody>
+          <a:bodyPr>
+            <a:normAutofit/>
+          </a:bodyPr>
+          <a:lstStyle/>
+          <a:p>
+            <a:r>
+              <a:rPr lang="en-US" dirty="0">
+                <a:solidFill>
+                  <a:srgbClr val="FFFF00"/>
+                </a:solidFill>
+              </a:rPr>
+              <a:t>JSON Object with </a:t>
+            </a:r>
+            <a:r>
+              <a:rPr lang="en-US" dirty="0" smtClean="0">
+                <a:solidFill>
+                  <a:srgbClr val="FFFF00"/>
+                </a:solidFill>
+              </a:rPr>
+              <a:t>Boolean and null</a:t>
+            </a:r>
+            <a:endParaRPr lang="en-US" dirty="0">
+              <a:solidFill>
+                <a:srgbClr val="FFFF00"/>
+              </a:solidFill>
+            </a:endParaRPr>
+          </a:p>
+        </p:txBody>
+      </p:sp>
+      <p:sp>
+        <p:nvSpPr>
+          <p:cNvPr id="5" name="Content Placeholder 4"/>
+          <p:cNvSpPr>
+            <a:spLocks noGrp="1"/>
+          </p:cNvSpPr>
+          <p:nvPr>
+            <p:ph idx="1"/>
+          </p:nvPr>
+        </p:nvSpPr>
+        <p:spPr/>
+        <p:txBody>
+          <a:bodyPr>
+            <a:normAutofit/>
+          </a:bodyPr>
+          <a:lstStyle/>
+          <a:p>
+            <a:pPr marL="0" indent="0">
+              <a:buNone/>
+            </a:pPr>
+            <a:r>
+              <a:rPr lang="en-US" dirty="0" smtClean="0"/>
+              <a:t>Values </a:t>
+            </a:r>
+            <a:r>
+              <a:rPr lang="en-US" dirty="0"/>
+              <a:t>in JSON can be true/false.</a:t>
+            </a:r>
+          </a:p>
+          <a:p>
+            <a:pPr marL="0" indent="0">
+              <a:buNone/>
+            </a:pPr>
+            <a:r>
+              <a:rPr lang="en-US" dirty="0"/>
+              <a:t>Example:</a:t>
+            </a:r>
+          </a:p>
+          <a:p>
+            <a:pPr marL="0" indent="0">
+              <a:buNone/>
+            </a:pPr>
+            <a:r>
+              <a:rPr lang="en-US" dirty="0"/>
+              <a:t>{ "sale": true </a:t>
+            </a:r>
+            <a:r>
+              <a:rPr lang="en-US" dirty="0" smtClean="0"/>
+              <a:t>}</a:t>
+            </a:r>
+          </a:p>
+          <a:p>
+            <a:pPr marL="0" indent="0">
+              <a:buNone/>
+            </a:pPr>
+            <a:endParaRPr lang="en-US" dirty="0"/>
+          </a:p>
+          <a:p>
+            <a:pPr marL="0" indent="0">
+              <a:buNone/>
+            </a:pPr>
+            <a:r>
+              <a:rPr lang="en-US" dirty="0" smtClean="0"/>
+              <a:t>Values </a:t>
+            </a:r>
+            <a:r>
+              <a:rPr lang="en-US" dirty="0"/>
+              <a:t>in JSON can be null.</a:t>
+            </a:r>
+          </a:p>
+          <a:p>
+            <a:pPr marL="0" indent="0">
+              <a:buNone/>
+            </a:pPr>
+            <a:r>
+              <a:rPr lang="en-US" dirty="0"/>
+              <a:t>Example:</a:t>
+            </a:r>
+          </a:p>
+          <a:p>
+            <a:pPr marL="0" indent="0">
+              <a:buNone/>
+            </a:pPr>
+            <a:r>
+              <a:rPr lang="en-US" dirty="0"/>
+              <a:t>{ "</a:t>
+            </a:r>
+            <a:r>
+              <a:rPr lang="en-US" dirty="0" err="1"/>
+              <a:t>middlename</a:t>
+            </a:r>
+            <a:r>
+              <a:rPr lang="en-US" dirty="0"/>
+              <a:t>": null }</a:t>
+            </a:r>
+          </a:p>
+          <a:p>
+            <a:pPr marL="0" indent="0">
+              <a:buNone/>
+            </a:pPr>
+            <a:endParaRPr lang="en-US" dirty="0" smtClean="0"/>
+          </a:p>
+        </p:txBody>
+      </p:sp>
+    </p:spTree>
+    <p:extLst>
+      <p:ext uri="{BB962C8B-B14F-4D97-AF65-F5344CB8AC3E}">
+        <p14:creationId xmlns:p14="http://schemas.microsoft.com/office/powerpoint/2010/main" val="4291824618"/>
+      </p:ext>
+    </p:extLst>
+  </p:cSld>
+  <p:clrMapOvr>
+    <a:masterClrMapping/>
+  </p:clrMapOvr>
+</p:sld>
+</file>
+
+<file path=ppt/slides/slide18.xml><?xml version="1.0" encoding="utf-8"?>
+<p:sld xmlns:a="http://schemas.openxmlformats.org/drawingml/2006/main" xmlns:r="http://schemas.openxmlformats.org/officeDocument/2006/relationships" xmlns:p="http://schemas.openxmlformats.org/presentationml/2006/main">
+  <p:cSld>
+    <p:spTree>
+      <p:nvGrpSpPr>
+        <p:cNvPr id="1" name=""/>
+        <p:cNvGrpSpPr/>
+        <p:nvPr/>
+      </p:nvGrpSpPr>
+      <p:grpSpPr>
+        <a:xfrm>
+          <a:off x="0" y="0"/>
+          <a:ext cx="0" cy="0"/>
+          <a:chOff x="0" y="0"/>
+          <a:chExt cx="0" cy="0"/>
+        </a:xfrm>
+      </p:grpSpPr>
+      <p:sp>
+        <p:nvSpPr>
+          <p:cNvPr id="4" name="Title 3"/>
+          <p:cNvSpPr>
+            <a:spLocks noGrp="1"/>
+          </p:cNvSpPr>
+          <p:nvPr>
+            <p:ph type="title"/>
+          </p:nvPr>
+        </p:nvSpPr>
+        <p:spPr>
+          <a:xfrm>
+            <a:off x="920040" y="256374"/>
+            <a:ext cx="9692640" cy="1358036"/>
+          </a:xfrm>
+          <a:solidFill>
+            <a:schemeClr val="tx2">
+              <a:lumMod val="75000"/>
+            </a:schemeClr>
+          </a:solidFill>
+        </p:spPr>
+        <p:txBody>
+          <a:bodyPr>
+            <a:noAutofit/>
+          </a:bodyPr>
+          <a:lstStyle/>
+          <a:p>
+            <a:r>
+              <a:rPr lang="en-US" sz="4000" dirty="0" smtClean="0">
+                <a:solidFill>
+                  <a:srgbClr val="FFFF00"/>
+                </a:solidFill>
+              </a:rPr>
+              <a:t>Explain </a:t>
+            </a:r>
+            <a:r>
+              <a:rPr lang="en-US" sz="4000" dirty="0">
+                <a:solidFill>
+                  <a:srgbClr val="FFFF00"/>
+                </a:solidFill>
+              </a:rPr>
+              <a:t>how to represent complex data with JSON</a:t>
+            </a:r>
+          </a:p>
+        </p:txBody>
+      </p:sp>
+      <p:sp>
+        <p:nvSpPr>
+          <p:cNvPr id="5" name="Content Placeholder 4"/>
+          <p:cNvSpPr>
+            <a:spLocks noGrp="1"/>
+          </p:cNvSpPr>
+          <p:nvPr>
+            <p:ph idx="1"/>
+          </p:nvPr>
+        </p:nvSpPr>
+        <p:spPr/>
+        <p:txBody>
+          <a:bodyPr>
+            <a:normAutofit lnSpcReduction="10000"/>
+          </a:bodyPr>
+          <a:lstStyle/>
+          <a:p>
+            <a:pPr marL="0" indent="0">
+              <a:buNone/>
+            </a:pPr>
+            <a:r>
+              <a:rPr lang="en-US" dirty="0"/>
+              <a:t>Complex data = combination of objects and arrays (nested).</a:t>
+            </a:r>
+          </a:p>
+          <a:p>
+            <a:pPr marL="0" indent="0">
+              <a:buNone/>
+            </a:pPr>
+            <a:r>
+              <a:rPr lang="en-US" dirty="0" smtClean="0"/>
+              <a:t>Example</a:t>
+            </a:r>
+            <a:r>
+              <a:rPr lang="en-US" dirty="0"/>
+              <a:t>:</a:t>
+            </a:r>
+          </a:p>
+          <a:p>
+            <a:pPr marL="0" indent="0">
+              <a:buNone/>
+            </a:pPr>
+            <a:r>
+              <a:rPr lang="en-US" dirty="0"/>
+              <a:t>{</a:t>
+            </a:r>
+          </a:p>
+          <a:p>
+            <a:pPr marL="0" indent="0">
+              <a:buNone/>
+            </a:pPr>
+            <a:r>
+              <a:rPr lang="en-US" dirty="0"/>
+              <a:t>"company": "</a:t>
+            </a:r>
+            <a:r>
+              <a:rPr lang="en-US" dirty="0" err="1"/>
+              <a:t>Aptech</a:t>
+            </a:r>
+            <a:r>
+              <a:rPr lang="en-US" dirty="0"/>
+              <a:t>",</a:t>
+            </a:r>
+          </a:p>
+          <a:p>
+            <a:pPr marL="0" indent="0">
+              <a:buNone/>
+            </a:pPr>
+            <a:r>
+              <a:rPr lang="en-US" dirty="0"/>
+              <a:t>"employees": [</a:t>
+            </a:r>
+          </a:p>
+          <a:p>
+            <a:pPr marL="0" indent="0">
+              <a:buNone/>
+            </a:pPr>
+            <a:r>
+              <a:rPr lang="en-US" dirty="0"/>
+              <a:t>{"id": 1, "name": "Ali", "skills": ["PHP", "MySQL"]},</a:t>
+            </a:r>
+          </a:p>
+          <a:p>
+            <a:pPr marL="0" indent="0">
+              <a:buNone/>
+            </a:pPr>
+            <a:r>
+              <a:rPr lang="en-US" dirty="0"/>
+              <a:t>{"id": 2, "name": "Sara", "skills": ["JavaScript", "React"]},</a:t>
+            </a:r>
+          </a:p>
+          <a:p>
+            <a:pPr marL="0" indent="0">
+              <a:buNone/>
+            </a:pPr>
+            <a:r>
+              <a:rPr lang="en-US" dirty="0"/>
+              <a:t>{"id": 3, "name": "John", "skills": ["Python", "</a:t>
+            </a:r>
+            <a:r>
+              <a:rPr lang="en-US" dirty="0" err="1"/>
+              <a:t>Django</a:t>
+            </a:r>
+            <a:r>
+              <a:rPr lang="en-US" dirty="0"/>
+              <a:t>"]}</a:t>
+            </a:r>
+          </a:p>
+          <a:p>
+            <a:pPr marL="0" indent="0">
+              <a:buNone/>
+            </a:pPr>
+            <a:r>
+              <a:rPr lang="en-US" dirty="0"/>
+              <a:t>]</a:t>
+            </a:r>
+          </a:p>
+          <a:p>
+            <a:pPr marL="0" indent="0">
+              <a:buNone/>
+            </a:pPr>
+            <a:r>
+              <a:rPr lang="en-US" dirty="0"/>
+              <a:t>}</a:t>
+            </a:r>
+          </a:p>
+        </p:txBody>
+      </p:sp>
+    </p:spTree>
+    <p:extLst>
+      <p:ext uri="{BB962C8B-B14F-4D97-AF65-F5344CB8AC3E}">
+        <p14:creationId xmlns:p14="http://schemas.microsoft.com/office/powerpoint/2010/main" val="1222860777"/>
+      </p:ext>
+    </p:extLst>
+  </p:cSld>
+  <p:clrMapOvr>
+    <a:masterClrMapping/>
+  </p:clrMapOvr>
+</p:sld>
+</file>
+
+<file path=ppt/slides/slide19.xml><?xml version="1.0" encoding="utf-8"?>
+<p:sld xmlns:a="http://schemas.openxmlformats.org/drawingml/2006/main" xmlns:r="http://schemas.openxmlformats.org/officeDocument/2006/relationships" xmlns:p="http://schemas.openxmlformats.org/presentationml/2006/main">
+  <p:cSld>
+    <p:spTree>
+      <p:nvGrpSpPr>
+        <p:cNvPr id="1" name=""/>
+        <p:cNvGrpSpPr/>
+        <p:nvPr/>
+      </p:nvGrpSpPr>
+      <p:grpSpPr>
+        <a:xfrm>
+          <a:off x="0" y="0"/>
+          <a:ext cx="0" cy="0"/>
+          <a:chOff x="0" y="0"/>
+          <a:chExt cx="0" cy="0"/>
+        </a:xfrm>
+      </p:grpSpPr>
+      <p:sp>
+        <p:nvSpPr>
+          <p:cNvPr id="4" name="Title 3"/>
+          <p:cNvSpPr>
+            <a:spLocks noGrp="1"/>
+          </p:cNvSpPr>
+          <p:nvPr>
+            <p:ph type="title"/>
+          </p:nvPr>
+        </p:nvSpPr>
+        <p:spPr>
+          <a:xfrm>
+            <a:off x="791853" y="170916"/>
+            <a:ext cx="9692640" cy="947838"/>
+          </a:xfrm>
+          <a:solidFill>
+            <a:schemeClr val="tx2">
+              <a:lumMod val="75000"/>
+            </a:schemeClr>
+          </a:solidFill>
+        </p:spPr>
+        <p:txBody>
+          <a:bodyPr>
+            <a:noAutofit/>
+          </a:bodyPr>
+          <a:lstStyle/>
+          <a:p>
+            <a:pPr algn="ctr"/>
+            <a:r>
+              <a:rPr lang="en-US" sz="3200" dirty="0">
+                <a:solidFill>
+                  <a:srgbClr val="FFFF00"/>
+                </a:solidFill>
+              </a:rPr>
+              <a:t>Explain how to execute serialization and deserialization of JSON with JavaScript</a:t>
+            </a:r>
+            <a:endParaRPr lang="en-US" sz="3200" dirty="0">
+              <a:solidFill>
+                <a:srgbClr val="FFFF00"/>
+              </a:solidFill>
+            </a:endParaRPr>
+          </a:p>
+        </p:txBody>
+      </p:sp>
+      <p:sp>
+        <p:nvSpPr>
+          <p:cNvPr id="2" name="Content Placeholder 1"/>
+          <p:cNvSpPr>
+            <a:spLocks noGrp="1" noChangeArrowheads="1"/>
+          </p:cNvSpPr>
+          <p:nvPr>
+            <p:ph idx="1"/>
+          </p:nvPr>
+        </p:nvSpPr>
+        <p:spPr bwMode="auto">
+          <a:xfrm>
+            <a:off x="1005497" y="1428824"/>
+            <a:ext cx="10104036" cy="5355312"/>
+          </a:xfrm>
+          <a:prstGeom prst="rect">
+            <a:avLst/>
+          </a:prstGeom>
+          <a:noFill/>
+          <a:ln>
+            <a:noFill/>
+          </a:ln>
+          <a:effectLst/>
+          <a:extLst>
+            <a:ext uri="{909E8E84-426E-40DD-AFC4-6F175D3DCCD1}">
+              <a14:hiddenFill xmlns:a14="http://schemas.microsoft.com/office/drawing/2010/main">
+                <a:solidFill>
+                  <a:schemeClr val="accent1"/>
+                </a:solidFill>
+              </a14:hiddenFill>
+            </a:ext>
+            <a:ext uri="{91240B29-F687-4F45-9708-019B960494DF}">
+              <a14:hiddenLine xmlns:a14="http://schemas.microsoft.com/office/drawing/2010/main" w="9525">
+                <a:solidFill>
+                  <a:schemeClr val="tx1"/>
+                </a:solidFill>
+                <a:miter lim="800000"/>
+                <a:headEnd/>
+                <a:tailEnd/>
+              </a14:hiddenLine>
+            </a:ext>
+            <a:ext uri="{AF507438-7753-43E0-B8FC-AC1667EBCBE1}">
+              <a14:hiddenEffects xmlns:a14="http://schemas.microsoft.com/office/drawing/2010/main">
+                <a:effectLst>
+                  <a:outerShdw dist="35921" dir="2700000" algn="ctr" rotWithShape="0">
+                    <a:schemeClr val="bg2"/>
+                  </a:outerShdw>
+                </a:effectLst>
+              </a14:hiddenEffects>
+            </a:ext>
+          </a:extLst>
+        </p:spPr>
+        <p:txBody>
+          <a:bodyPr vert="horz" wrap="square" lIns="91440" tIns="45720" rIns="91440" bIns="45720" numCol="1" anchor="ctr" anchorCtr="0" compatLnSpc="1">
+            <a:prstTxWarp prst="textNoShape">
+              <a:avLst/>
+            </a:prstTxWarp>
+            <a:spAutoFit/>
+          </a:bodyPr>
+          <a:lstStyle/>
+          <a:p>
+            <a:pPr marL="0" marR="0" lvl="0" indent="0" algn="l" defTabSz="914400" rtl="0" eaLnBrk="0" fontAlgn="base" latinLnBrk="0" hangingPunct="0">
+              <a:lnSpc>
+                <a:spcPct val="100000"/>
+              </a:lnSpc>
+              <a:spcBef>
+                <a:spcPct val="0"/>
+              </a:spcBef>
+              <a:spcAft>
+                <a:spcPct val="0"/>
+              </a:spcAft>
+              <a:buClrTx/>
+              <a:buSzTx/>
+              <a:buNone/>
+              <a:tabLst/>
+            </a:pPr>
+            <a:r>
+              <a:rPr kumimoji="0" lang="en-US" sz="1800" b="1" i="0" u="none" strike="noStrike" cap="none" normalizeH="0" baseline="0" dirty="0" smtClean="0">
+                <a:ln>
+                  <a:noFill/>
+                </a:ln>
+                <a:solidFill>
+                  <a:schemeClr val="tx1"/>
+                </a:solidFill>
+                <a:effectLst/>
+                <a:latin typeface="Arial" panose="020B0604020202020204" pitchFamily="34" charset="0"/>
+              </a:rPr>
+              <a:t>Serialization</a:t>
+            </a:r>
+            <a:r>
+              <a:rPr kumimoji="0" lang="en-US" sz="1800" b="0" i="0" u="none" strike="noStrike" cap="none" normalizeH="0" baseline="0" dirty="0" smtClean="0">
+                <a:ln>
+                  <a:noFill/>
+                </a:ln>
+                <a:solidFill>
+                  <a:schemeClr val="tx1"/>
+                </a:solidFill>
+                <a:effectLst/>
+                <a:latin typeface="Arial" panose="020B0604020202020204" pitchFamily="34" charset="0"/>
+              </a:rPr>
+              <a:t> = converting JavaScript object → JSON string</a:t>
+            </a:r>
+          </a:p>
+          <a:p>
+            <a:pPr marL="0" marR="0" lvl="0" indent="0" algn="l" defTabSz="914400" rtl="0" eaLnBrk="0" fontAlgn="base" latinLnBrk="0" hangingPunct="0">
+              <a:lnSpc>
+                <a:spcPct val="100000"/>
+              </a:lnSpc>
+              <a:spcBef>
+                <a:spcPct val="0"/>
+              </a:spcBef>
+              <a:spcAft>
+                <a:spcPct val="0"/>
+              </a:spcAft>
+              <a:buClrTx/>
+              <a:buSzTx/>
+              <a:buNone/>
+              <a:tabLst/>
+            </a:pPr>
+            <a:r>
+              <a:rPr kumimoji="0" lang="en-US" sz="1800" b="1" i="0" u="none" strike="noStrike" cap="none" normalizeH="0" baseline="0" dirty="0" smtClean="0">
+                <a:ln>
+                  <a:noFill/>
+                </a:ln>
+                <a:solidFill>
+                  <a:schemeClr val="tx1"/>
+                </a:solidFill>
+                <a:effectLst/>
+                <a:latin typeface="Arial" panose="020B0604020202020204" pitchFamily="34" charset="0"/>
+              </a:rPr>
+              <a:t>Deserialization</a:t>
+            </a:r>
+            <a:r>
+              <a:rPr kumimoji="0" lang="en-US" sz="1800" b="0" i="0" u="none" strike="noStrike" cap="none" normalizeH="0" baseline="0" dirty="0" smtClean="0">
+                <a:ln>
+                  <a:noFill/>
+                </a:ln>
+                <a:solidFill>
+                  <a:schemeClr val="tx1"/>
+                </a:solidFill>
+                <a:effectLst/>
+                <a:latin typeface="Arial" panose="020B0604020202020204" pitchFamily="34" charset="0"/>
+              </a:rPr>
+              <a:t> = converting JSON string → JavaScript object</a:t>
+            </a:r>
+          </a:p>
+          <a:p>
+            <a:pPr marL="0" marR="0" lvl="0" indent="0" algn="l" defTabSz="914400" rtl="0" eaLnBrk="0" fontAlgn="base" latinLnBrk="0" hangingPunct="0">
+              <a:lnSpc>
+                <a:spcPct val="100000"/>
+              </a:lnSpc>
+              <a:spcBef>
+                <a:spcPct val="0"/>
+              </a:spcBef>
+              <a:spcAft>
+                <a:spcPct val="0"/>
+              </a:spcAft>
+              <a:buClrTx/>
+              <a:buSzTx/>
+              <a:buNone/>
+              <a:tabLst/>
+            </a:pPr>
+            <a:endParaRPr lang="en-US" dirty="0">
+              <a:latin typeface="Arial" panose="020B0604020202020204" pitchFamily="34" charset="0"/>
+            </a:endParaRPr>
+          </a:p>
+          <a:p>
+            <a:pPr marL="0" marR="0" lvl="0" indent="0" algn="l" defTabSz="914400" rtl="0" eaLnBrk="0" fontAlgn="base" latinLnBrk="0" hangingPunct="0">
+              <a:lnSpc>
+                <a:spcPct val="100000"/>
+              </a:lnSpc>
+              <a:spcBef>
+                <a:spcPct val="0"/>
+              </a:spcBef>
+              <a:spcAft>
+                <a:spcPct val="0"/>
+              </a:spcAft>
+              <a:buClrTx/>
+              <a:buSzTx/>
+              <a:buNone/>
+              <a:tabLst/>
+            </a:pPr>
+            <a:endParaRPr kumimoji="0" lang="en-US" sz="1800" b="0" i="0" u="none" strike="noStrike" cap="none" normalizeH="0" baseline="0" dirty="0" smtClean="0">
+              <a:ln>
+                <a:noFill/>
+              </a:ln>
+              <a:solidFill>
+                <a:schemeClr val="tx1"/>
+              </a:solidFill>
+              <a:effectLst/>
+              <a:latin typeface="Arial" panose="020B0604020202020204" pitchFamily="34" charset="0"/>
+            </a:endParaRPr>
+          </a:p>
+          <a:p>
+            <a:pPr marL="0" lvl="0" indent="0" eaLnBrk="0" fontAlgn="base" hangingPunct="0">
+              <a:lnSpc>
+                <a:spcPct val="150000"/>
+              </a:lnSpc>
+              <a:spcBef>
+                <a:spcPct val="0"/>
+              </a:spcBef>
+              <a:spcAft>
+                <a:spcPct val="0"/>
+              </a:spcAft>
+              <a:buClrTx/>
+              <a:buSzTx/>
+              <a:buNone/>
+            </a:pPr>
+            <a:r>
+              <a:rPr lang="en-US" dirty="0">
+                <a:latin typeface="Arial" panose="020B0604020202020204" pitchFamily="34" charset="0"/>
+              </a:rPr>
+              <a:t>// JavaScript object</a:t>
+            </a:r>
+          </a:p>
+          <a:p>
+            <a:pPr marL="0" lvl="0" indent="0" eaLnBrk="0" fontAlgn="base" hangingPunct="0">
+              <a:lnSpc>
+                <a:spcPct val="150000"/>
+              </a:lnSpc>
+              <a:spcBef>
+                <a:spcPct val="0"/>
+              </a:spcBef>
+              <a:spcAft>
+                <a:spcPct val="0"/>
+              </a:spcAft>
+              <a:buClrTx/>
+              <a:buSzTx/>
+              <a:buNone/>
+            </a:pPr>
+            <a:r>
+              <a:rPr lang="en-US" dirty="0">
+                <a:latin typeface="Arial" panose="020B0604020202020204" pitchFamily="34" charset="0"/>
+              </a:rPr>
+              <a:t>let student = { name: "Ali", age: 20, course: "Web Development" </a:t>
+            </a:r>
+            <a:r>
+              <a:rPr lang="en-US" dirty="0" smtClean="0">
+                <a:latin typeface="Arial" panose="020B0604020202020204" pitchFamily="34" charset="0"/>
+              </a:rPr>
+              <a:t>};</a:t>
+            </a:r>
+            <a:endParaRPr lang="en-US" dirty="0">
+              <a:latin typeface="Arial" panose="020B0604020202020204" pitchFamily="34" charset="0"/>
+            </a:endParaRPr>
+          </a:p>
+          <a:p>
+            <a:pPr marL="0" lvl="0" indent="0" eaLnBrk="0" fontAlgn="base" hangingPunct="0">
+              <a:lnSpc>
+                <a:spcPct val="150000"/>
+              </a:lnSpc>
+              <a:spcBef>
+                <a:spcPct val="0"/>
+              </a:spcBef>
+              <a:spcAft>
+                <a:spcPct val="0"/>
+              </a:spcAft>
+              <a:buClrTx/>
+              <a:buSzTx/>
+              <a:buNone/>
+            </a:pPr>
+            <a:r>
+              <a:rPr lang="en-US" dirty="0">
+                <a:latin typeface="Arial" panose="020B0604020202020204" pitchFamily="34" charset="0"/>
+              </a:rPr>
+              <a:t>// Serialization: Object → JSON</a:t>
+            </a:r>
+          </a:p>
+          <a:p>
+            <a:pPr marL="0" lvl="0" indent="0" eaLnBrk="0" fontAlgn="base" hangingPunct="0">
+              <a:lnSpc>
+                <a:spcPct val="150000"/>
+              </a:lnSpc>
+              <a:spcBef>
+                <a:spcPct val="0"/>
+              </a:spcBef>
+              <a:spcAft>
+                <a:spcPct val="0"/>
+              </a:spcAft>
+              <a:buClrTx/>
+              <a:buSzTx/>
+              <a:buNone/>
+            </a:pPr>
+            <a:r>
+              <a:rPr lang="en-US" dirty="0">
+                <a:latin typeface="Arial" panose="020B0604020202020204" pitchFamily="34" charset="0"/>
+              </a:rPr>
+              <a:t>let </a:t>
+            </a:r>
+            <a:r>
+              <a:rPr lang="en-US" dirty="0" err="1">
+                <a:latin typeface="Arial" panose="020B0604020202020204" pitchFamily="34" charset="0"/>
+              </a:rPr>
+              <a:t>jsonData</a:t>
+            </a:r>
+            <a:r>
+              <a:rPr lang="en-US" dirty="0">
+                <a:latin typeface="Arial" panose="020B0604020202020204" pitchFamily="34" charset="0"/>
+              </a:rPr>
+              <a:t> = </a:t>
+            </a:r>
+            <a:r>
+              <a:rPr lang="en-US" dirty="0" err="1">
+                <a:latin typeface="Arial" panose="020B0604020202020204" pitchFamily="34" charset="0"/>
+              </a:rPr>
+              <a:t>JSON.stringify</a:t>
+            </a:r>
+            <a:r>
+              <a:rPr lang="en-US" dirty="0">
+                <a:latin typeface="Arial" panose="020B0604020202020204" pitchFamily="34" charset="0"/>
+              </a:rPr>
+              <a:t>(student);</a:t>
+            </a:r>
+          </a:p>
+          <a:p>
+            <a:pPr marL="0" lvl="0" indent="0" eaLnBrk="0" fontAlgn="base" hangingPunct="0">
+              <a:lnSpc>
+                <a:spcPct val="150000"/>
+              </a:lnSpc>
+              <a:spcBef>
+                <a:spcPct val="0"/>
+              </a:spcBef>
+              <a:spcAft>
+                <a:spcPct val="0"/>
+              </a:spcAft>
+              <a:buClrTx/>
+              <a:buSzTx/>
+              <a:buNone/>
+            </a:pPr>
+            <a:r>
+              <a:rPr lang="en-US" dirty="0">
+                <a:latin typeface="Arial" panose="020B0604020202020204" pitchFamily="34" charset="0"/>
+              </a:rPr>
+              <a:t>console.log(</a:t>
+            </a:r>
+            <a:r>
+              <a:rPr lang="en-US" dirty="0" err="1">
+                <a:latin typeface="Arial" panose="020B0604020202020204" pitchFamily="34" charset="0"/>
+              </a:rPr>
+              <a:t>jsonData</a:t>
+            </a:r>
+            <a:r>
+              <a:rPr lang="en-US" dirty="0">
+                <a:latin typeface="Arial" panose="020B0604020202020204" pitchFamily="34" charset="0"/>
+              </a:rPr>
+              <a:t>);  </a:t>
+            </a:r>
+          </a:p>
+          <a:p>
+            <a:pPr marL="0" lvl="0" indent="0" eaLnBrk="0" fontAlgn="base" hangingPunct="0">
+              <a:lnSpc>
+                <a:spcPct val="150000"/>
+              </a:lnSpc>
+              <a:spcBef>
+                <a:spcPct val="0"/>
+              </a:spcBef>
+              <a:spcAft>
+                <a:spcPct val="0"/>
+              </a:spcAft>
+              <a:buClrTx/>
+              <a:buSzTx/>
+              <a:buNone/>
+            </a:pPr>
+            <a:r>
+              <a:rPr lang="en-US" dirty="0">
+                <a:latin typeface="Arial" panose="020B0604020202020204" pitchFamily="34" charset="0"/>
+              </a:rPr>
+              <a:t>// Output: {"name":"Ali","age":20,"course":"Web Development</a:t>
+            </a:r>
+            <a:r>
+              <a:rPr lang="en-US" dirty="0" smtClean="0">
+                <a:latin typeface="Arial" panose="020B0604020202020204" pitchFamily="34" charset="0"/>
+              </a:rPr>
+              <a:t>"}</a:t>
+            </a:r>
+            <a:endParaRPr lang="en-US" dirty="0">
+              <a:latin typeface="Arial" panose="020B0604020202020204" pitchFamily="34" charset="0"/>
+            </a:endParaRPr>
+          </a:p>
+          <a:p>
+            <a:pPr marL="0" lvl="0" indent="0" eaLnBrk="0" fontAlgn="base" hangingPunct="0">
+              <a:lnSpc>
+                <a:spcPct val="150000"/>
+              </a:lnSpc>
+              <a:spcBef>
+                <a:spcPct val="0"/>
+              </a:spcBef>
+              <a:spcAft>
+                <a:spcPct val="0"/>
+              </a:spcAft>
+              <a:buClrTx/>
+              <a:buSzTx/>
+              <a:buNone/>
+            </a:pPr>
+            <a:r>
+              <a:rPr lang="en-US" dirty="0">
+                <a:latin typeface="Arial" panose="020B0604020202020204" pitchFamily="34" charset="0"/>
+              </a:rPr>
+              <a:t>// Deserialization: JSON → Object</a:t>
+            </a:r>
+          </a:p>
+          <a:p>
+            <a:pPr marL="0" lvl="0" indent="0" eaLnBrk="0" fontAlgn="base" hangingPunct="0">
+              <a:lnSpc>
+                <a:spcPct val="150000"/>
+              </a:lnSpc>
+              <a:spcBef>
+                <a:spcPct val="0"/>
+              </a:spcBef>
+              <a:spcAft>
+                <a:spcPct val="0"/>
+              </a:spcAft>
+              <a:buClrTx/>
+              <a:buSzTx/>
+              <a:buNone/>
+            </a:pPr>
+            <a:r>
+              <a:rPr lang="en-US" dirty="0">
+                <a:latin typeface="Arial" panose="020B0604020202020204" pitchFamily="34" charset="0"/>
+              </a:rPr>
+              <a:t>let </a:t>
+            </a:r>
+            <a:r>
+              <a:rPr lang="en-US" dirty="0" err="1">
+                <a:latin typeface="Arial" panose="020B0604020202020204" pitchFamily="34" charset="0"/>
+              </a:rPr>
+              <a:t>objData</a:t>
+            </a:r>
+            <a:r>
+              <a:rPr lang="en-US" dirty="0">
+                <a:latin typeface="Arial" panose="020B0604020202020204" pitchFamily="34" charset="0"/>
+              </a:rPr>
+              <a:t> = </a:t>
+            </a:r>
+            <a:r>
+              <a:rPr lang="en-US" dirty="0" err="1">
+                <a:latin typeface="Arial" panose="020B0604020202020204" pitchFamily="34" charset="0"/>
+              </a:rPr>
+              <a:t>JSON.parse</a:t>
+            </a:r>
+            <a:r>
+              <a:rPr lang="en-US" dirty="0">
+                <a:latin typeface="Arial" panose="020B0604020202020204" pitchFamily="34" charset="0"/>
+              </a:rPr>
+              <a:t>(</a:t>
+            </a:r>
+            <a:r>
+              <a:rPr lang="en-US" dirty="0" err="1">
+                <a:latin typeface="Arial" panose="020B0604020202020204" pitchFamily="34" charset="0"/>
+              </a:rPr>
+              <a:t>jsonData</a:t>
+            </a:r>
+            <a:r>
+              <a:rPr lang="en-US" dirty="0">
+                <a:latin typeface="Arial" panose="020B0604020202020204" pitchFamily="34" charset="0"/>
+              </a:rPr>
+              <a:t>);</a:t>
+            </a:r>
+          </a:p>
+          <a:p>
+            <a:pPr marL="0" lvl="0" indent="0" eaLnBrk="0" fontAlgn="base" hangingPunct="0">
+              <a:lnSpc>
+                <a:spcPct val="150000"/>
+              </a:lnSpc>
+              <a:spcBef>
+                <a:spcPct val="0"/>
+              </a:spcBef>
+              <a:spcAft>
+                <a:spcPct val="0"/>
+              </a:spcAft>
+              <a:buClrTx/>
+              <a:buSzTx/>
+              <a:buNone/>
+            </a:pPr>
+            <a:r>
+              <a:rPr lang="en-US" dirty="0">
+                <a:latin typeface="Arial" panose="020B0604020202020204" pitchFamily="34" charset="0"/>
+              </a:rPr>
+              <a:t>console.log(objData.name);  </a:t>
+            </a:r>
+          </a:p>
+          <a:p>
+            <a:pPr marL="0" lvl="0" indent="0" eaLnBrk="0" fontAlgn="base" hangingPunct="0">
+              <a:lnSpc>
+                <a:spcPct val="150000"/>
+              </a:lnSpc>
+              <a:spcBef>
+                <a:spcPct val="0"/>
+              </a:spcBef>
+              <a:spcAft>
+                <a:spcPct val="0"/>
+              </a:spcAft>
+              <a:buClrTx/>
+              <a:buSzTx/>
+              <a:buNone/>
+            </a:pPr>
+            <a:r>
+              <a:rPr lang="en-US" dirty="0">
+                <a:latin typeface="Arial" panose="020B0604020202020204" pitchFamily="34" charset="0"/>
+              </a:rPr>
+              <a:t>// Output: Ali</a:t>
+            </a:r>
+            <a:endParaRPr kumimoji="0" lang="en-US" sz="1800" b="0" i="0" u="none" strike="noStrike" cap="none" normalizeH="0" baseline="0" dirty="0" smtClean="0">
+              <a:ln>
+                <a:noFill/>
+              </a:ln>
+              <a:solidFill>
+                <a:schemeClr val="tx1"/>
+              </a:solidFill>
+              <a:effectLst/>
+              <a:latin typeface="Arial" panose="020B0604020202020204" pitchFamily="34" charset="0"/>
+            </a:endParaRPr>
+          </a:p>
+        </p:txBody>
+      </p:sp>
+    </p:spTree>
+    <p:extLst>
+      <p:ext uri="{BB962C8B-B14F-4D97-AF65-F5344CB8AC3E}">
+        <p14:creationId xmlns:p14="http://schemas.microsoft.com/office/powerpoint/2010/main" val="2693665454"/>
       </p:ext>
     </p:extLst>
   </p:cSld>
@@ -4845,21 +6564,8 @@
                   <a:srgbClr val="FFFF00"/>
                 </a:solidFill>
               </a:rPr>
-              <a:t>Use JSON?</a:t>
-            </a:r>
-            <a:r>
-              <a:rPr lang="en-US" dirty="0">
-                <a:solidFill>
-                  <a:srgbClr val="FFFF00"/>
-                </a:solidFill>
-              </a:rPr>
-              <a:t> </a:t>
-            </a:r>
-            <a:endParaRPr lang="en-US" dirty="0">
-              <a:solidFill>
-                <a:srgbClr val="FFFF00"/>
-              </a:solidFill>
-            </a:endParaRPr>
+              <a:t>Use JSON? </a:t>
+            </a:r>
           </a:p>
         </p:txBody>
       </p:sp>
@@ -5007,6 +6713,341 @@
         </p:nvSpPr>
         <p:spPr>
           <a:xfrm>
+            <a:off x="1261872" y="487110"/>
+            <a:ext cx="9692640" cy="982021"/>
+          </a:xfrm>
+          <a:solidFill>
+            <a:schemeClr val="tx2">
+              <a:lumMod val="75000"/>
+            </a:schemeClr>
+          </a:solidFill>
+        </p:spPr>
+        <p:txBody>
+          <a:bodyPr>
+            <a:normAutofit/>
+          </a:bodyPr>
+          <a:lstStyle/>
+          <a:p>
+            <a:r>
+              <a:rPr lang="en-US" dirty="0" smtClean="0">
+                <a:solidFill>
+                  <a:srgbClr val="FFFF00"/>
+                </a:solidFill>
+              </a:rPr>
+              <a:t>Uses of JSON</a:t>
+            </a:r>
+            <a:endParaRPr lang="en-US" dirty="0">
+              <a:solidFill>
+                <a:srgbClr val="FFFF00"/>
+              </a:solidFill>
+            </a:endParaRPr>
+          </a:p>
+        </p:txBody>
+      </p:sp>
+      <p:sp>
+        <p:nvSpPr>
+          <p:cNvPr id="5" name="Content Placeholder 4"/>
+          <p:cNvSpPr>
+            <a:spLocks noGrp="1"/>
+          </p:cNvSpPr>
+          <p:nvPr>
+            <p:ph idx="1"/>
+          </p:nvPr>
+        </p:nvSpPr>
+        <p:spPr/>
+        <p:txBody>
+          <a:bodyPr>
+            <a:normAutofit lnSpcReduction="10000"/>
+          </a:bodyPr>
+          <a:lstStyle/>
+          <a:p>
+            <a:r>
+              <a:rPr lang="en-US" dirty="0"/>
+              <a:t>Helps you to transfer data from a server</a:t>
+            </a:r>
+          </a:p>
+          <a:p>
+            <a:r>
+              <a:rPr lang="en-US" dirty="0"/>
+              <a:t>JSON format helps transmit and serialize all types of structured data.</a:t>
+            </a:r>
+          </a:p>
+          <a:p>
+            <a:r>
+              <a:rPr lang="en-US" dirty="0"/>
+              <a:t>Allows you to perform asynchronous data calls without the need to do a page refresh (AJAX - Asynchronous JavaScript and XML)</a:t>
+            </a:r>
+          </a:p>
+          <a:p>
+            <a:r>
+              <a:rPr lang="en-US" dirty="0"/>
+              <a:t>It is widely used for JavaScript-based application, which includes browser extension and websites.</a:t>
+            </a:r>
+          </a:p>
+          <a:p>
+            <a:r>
+              <a:rPr lang="en-US" dirty="0"/>
+              <a:t>You can transmit data between the server and web application using JSON.</a:t>
+            </a:r>
+          </a:p>
+          <a:p>
+            <a:r>
+              <a:rPr lang="en-US" dirty="0"/>
+              <a:t>We can use JSON with modern programming languages.</a:t>
+            </a:r>
+          </a:p>
+          <a:p>
+            <a:r>
+              <a:rPr lang="en-US" dirty="0"/>
+              <a:t>It is used for writing JavaScript-based applications that include browser add-ons.</a:t>
+            </a:r>
+          </a:p>
+          <a:p>
+            <a:r>
+              <a:rPr lang="en-US" dirty="0"/>
+              <a:t>Web services and APIs use the JSON format to get public data.</a:t>
+            </a:r>
+          </a:p>
+        </p:txBody>
+      </p:sp>
+    </p:spTree>
+    <p:extLst>
+      <p:ext uri="{BB962C8B-B14F-4D97-AF65-F5344CB8AC3E}">
+        <p14:creationId xmlns:p14="http://schemas.microsoft.com/office/powerpoint/2010/main" val="1268917409"/>
+      </p:ext>
+    </p:extLst>
+  </p:cSld>
+  <p:clrMapOvr>
+    <a:masterClrMapping/>
+  </p:clrMapOvr>
+</p:sld>
+</file>
+
+<file path=ppt/slides/slide5.xml><?xml version="1.0" encoding="utf-8"?>
+<p:sld xmlns:a="http://schemas.openxmlformats.org/drawingml/2006/main" xmlns:r="http://schemas.openxmlformats.org/officeDocument/2006/relationships" xmlns:p="http://schemas.openxmlformats.org/presentationml/2006/main">
+  <p:cSld>
+    <p:spTree>
+      <p:nvGrpSpPr>
+        <p:cNvPr id="1" name=""/>
+        <p:cNvGrpSpPr/>
+        <p:nvPr/>
+      </p:nvGrpSpPr>
+      <p:grpSpPr>
+        <a:xfrm>
+          <a:off x="0" y="0"/>
+          <a:ext cx="0" cy="0"/>
+          <a:chOff x="0" y="0"/>
+          <a:chExt cx="0" cy="0"/>
+        </a:xfrm>
+      </p:grpSpPr>
+      <p:sp>
+        <p:nvSpPr>
+          <p:cNvPr id="4" name="Title 3"/>
+          <p:cNvSpPr>
+            <a:spLocks noGrp="1"/>
+          </p:cNvSpPr>
+          <p:nvPr>
+            <p:ph type="title"/>
+          </p:nvPr>
+        </p:nvSpPr>
+        <p:spPr>
+          <a:xfrm>
+            <a:off x="1261872" y="487110"/>
+            <a:ext cx="9692640" cy="982021"/>
+          </a:xfrm>
+          <a:solidFill>
+            <a:schemeClr val="tx2">
+              <a:lumMod val="75000"/>
+            </a:schemeClr>
+          </a:solidFill>
+        </p:spPr>
+        <p:txBody>
+          <a:bodyPr>
+            <a:normAutofit/>
+          </a:bodyPr>
+          <a:lstStyle/>
+          <a:p>
+            <a:r>
+              <a:rPr lang="en-US" dirty="0" smtClean="0">
+                <a:solidFill>
+                  <a:srgbClr val="FFFF00"/>
+                </a:solidFill>
+              </a:rPr>
+              <a:t>Role of </a:t>
+            </a:r>
+            <a:r>
+              <a:rPr lang="en-US" dirty="0" smtClean="0">
+                <a:solidFill>
+                  <a:srgbClr val="FFFF00"/>
+                </a:solidFill>
+              </a:rPr>
+              <a:t>JSON</a:t>
+            </a:r>
+            <a:endParaRPr lang="en-US" dirty="0">
+              <a:solidFill>
+                <a:srgbClr val="FFFF00"/>
+              </a:solidFill>
+            </a:endParaRPr>
+          </a:p>
+        </p:txBody>
+      </p:sp>
+      <p:sp>
+        <p:nvSpPr>
+          <p:cNvPr id="5" name="Content Placeholder 4"/>
+          <p:cNvSpPr>
+            <a:spLocks noGrp="1"/>
+          </p:cNvSpPr>
+          <p:nvPr>
+            <p:ph idx="1"/>
+          </p:nvPr>
+        </p:nvSpPr>
+        <p:spPr/>
+        <p:txBody>
+          <a:bodyPr>
+            <a:normAutofit fontScale="92500" lnSpcReduction="10000"/>
+          </a:bodyPr>
+          <a:lstStyle/>
+          <a:p>
+            <a:pPr marL="0" indent="0">
+              <a:buNone/>
+            </a:pPr>
+            <a:r>
+              <a:rPr lang="en-US" dirty="0" smtClean="0"/>
+              <a:t>The </a:t>
+            </a:r>
+            <a:r>
+              <a:rPr lang="en-US" dirty="0"/>
+              <a:t>server takes data from the database and packs it into JSON format.</a:t>
+            </a:r>
+          </a:p>
+          <a:p>
+            <a:pPr marL="0" indent="0">
+              <a:buNone/>
+            </a:pPr>
+            <a:r>
+              <a:rPr lang="en-US" dirty="0"/>
+              <a:t>Then it sends that JSON data to your browser or app.</a:t>
+            </a:r>
+          </a:p>
+          <a:p>
+            <a:pPr marL="0" indent="0">
+              <a:buNone/>
+            </a:pPr>
+            <a:r>
+              <a:rPr lang="en-US" dirty="0"/>
+              <a:t>The browser/app reads (parses) the JSON and displays it on the screen.</a:t>
+            </a:r>
+          </a:p>
+          <a:p>
+            <a:pPr marL="0" indent="0">
+              <a:buNone/>
+            </a:pPr>
+            <a:r>
+              <a:rPr lang="en-US" dirty="0"/>
+              <a:t>🔹 Example response from the server:</a:t>
+            </a:r>
+          </a:p>
+          <a:p>
+            <a:pPr marL="0" indent="0">
+              <a:buNone/>
+            </a:pPr>
+            <a:r>
+              <a:rPr lang="en-US" dirty="0"/>
+              <a:t>{</a:t>
+            </a:r>
+          </a:p>
+          <a:p>
+            <a:pPr marL="0" indent="0">
+              <a:buNone/>
+            </a:pPr>
+            <a:r>
+              <a:rPr lang="en-US" dirty="0"/>
+              <a:t>"user": "Ali",</a:t>
+            </a:r>
+          </a:p>
+          <a:p>
+            <a:pPr marL="0" indent="0">
+              <a:buNone/>
+            </a:pPr>
+            <a:r>
+              <a:rPr lang="en-US" dirty="0"/>
+              <a:t>"post": "Good morning!",</a:t>
+            </a:r>
+          </a:p>
+          <a:p>
+            <a:pPr marL="0" indent="0">
+              <a:buNone/>
+            </a:pPr>
+            <a:r>
+              <a:rPr lang="en-US" dirty="0"/>
+              <a:t>"likes": 120,</a:t>
+            </a:r>
+          </a:p>
+          <a:p>
+            <a:pPr marL="0" indent="0">
+              <a:buNone/>
+            </a:pPr>
+            <a:r>
+              <a:rPr lang="en-US" dirty="0"/>
+              <a:t>"comments": ["Nice!", "Good morning Ali!"]</a:t>
+            </a:r>
+          </a:p>
+          <a:p>
+            <a:pPr marL="0" indent="0">
+              <a:buNone/>
+            </a:pPr>
+            <a:r>
+              <a:rPr lang="en-US" dirty="0"/>
+              <a:t>}</a:t>
+            </a:r>
+          </a:p>
+          <a:p>
+            <a:endParaRPr lang="en-US" dirty="0"/>
+          </a:p>
+        </p:txBody>
+      </p:sp>
+    </p:spTree>
+    <p:extLst>
+      <p:ext uri="{BB962C8B-B14F-4D97-AF65-F5344CB8AC3E}">
+        <p14:creationId xmlns:p14="http://schemas.microsoft.com/office/powerpoint/2010/main" val="3666587710"/>
+      </p:ext>
+    </p:extLst>
+  </p:cSld>
+  <p:clrMapOvr>
+    <a:masterClrMapping/>
+  </p:clrMapOvr>
+</p:sld>
+</file>
+
+<file path=ppt/slides/slide6.xml><?xml version="1.0" encoding="utf-8"?>
+<p:sld xmlns:a="http://schemas.openxmlformats.org/drawingml/2006/main" xmlns:r="http://schemas.openxmlformats.org/officeDocument/2006/relationships" xmlns:p="http://schemas.openxmlformats.org/presentationml/2006/main">
+  <p:cSld>
+    <p:spTree>
+      <p:nvGrpSpPr>
+        <p:cNvPr id="1" name=""/>
+        <p:cNvGrpSpPr/>
+        <p:nvPr/>
+      </p:nvGrpSpPr>
+      <p:grpSpPr>
+        <a:xfrm>
+          <a:off x="0" y="0"/>
+          <a:ext cx="0" cy="0"/>
+          <a:chOff x="0" y="0"/>
+          <a:chExt cx="0" cy="0"/>
+        </a:xfrm>
+      </p:grpSpPr>
+      <p:sp>
+        <p:nvSpPr>
+          <p:cNvPr id="4" name="Title 3"/>
+          <p:cNvSpPr>
+            <a:spLocks noGrp="1"/>
+          </p:cNvSpPr>
+          <p:nvPr>
+            <p:ph type="title"/>
+          </p:nvPr>
+        </p:nvSpPr>
+        <p:spPr>
+          <a:xfrm>
             <a:off x="957129" y="487110"/>
             <a:ext cx="9997383" cy="982021"/>
           </a:xfrm>
@@ -5046,11 +7087,6 @@
               </a:rPr>
               <a:t> XML</a:t>
             </a:r>
-            <a:endParaRPr lang="en-US" dirty="0">
-              <a:solidFill>
-                <a:srgbClr val="FFFF00"/>
-              </a:solidFill>
-            </a:endParaRPr>
           </a:p>
         </p:txBody>
       </p:sp>
@@ -5670,7 +7706,7 @@
 </p:sld>
 </file>
 
-<file path=ppt/slides/slide5.xml><?xml version="1.0" encoding="utf-8"?>
+<file path=ppt/slides/slide7.xml><?xml version="1.0" encoding="utf-8"?>
 <p:sld xmlns:a="http://schemas.openxmlformats.org/drawingml/2006/main" xmlns:r="http://schemas.openxmlformats.org/officeDocument/2006/relationships" xmlns:p="http://schemas.openxmlformats.org/presentationml/2006/main">
   <p:cSld>
     <p:spTree>
@@ -5894,7 +7930,7 @@
 </p:sld>
 </file>
 
-<file path=ppt/slides/slide6.xml><?xml version="1.0" encoding="utf-8"?>
+<file path=ppt/slides/slide8.xml><?xml version="1.0" encoding="utf-8"?>
 <p:sld xmlns:a="http://schemas.openxmlformats.org/drawingml/2006/main" xmlns:r="http://schemas.openxmlformats.org/officeDocument/2006/relationships" xmlns:p="http://schemas.openxmlformats.org/presentationml/2006/main">
   <p:cSld>
     <p:spTree>
@@ -6347,7 +8383,7 @@
 </p:sld>
 </file>
 
-<file path=ppt/slides/slide7.xml><?xml version="1.0" encoding="utf-8"?>
+<file path=ppt/slides/slide9.xml><?xml version="1.0" encoding="utf-8"?>
 <p:sld xmlns:a="http://schemas.openxmlformats.org/drawingml/2006/main" xmlns:r="http://schemas.openxmlformats.org/officeDocument/2006/relationships" xmlns:p="http://schemas.openxmlformats.org/presentationml/2006/main">
   <p:cSld>
     <p:spTree>
@@ -6482,18 +8518,11 @@
               <a:buSzTx/>
             </a:pPr>
             <a:r>
-              <a:rPr lang="en-US" dirty="0">
+              <a:rPr lang="en-US" dirty="0" smtClean="0">
                 <a:latin typeface="Arial" panose="020B0604020202020204" pitchFamily="34" charset="0"/>
                 <a:cs typeface="Arial" panose="020B0604020202020204" pitchFamily="34" charset="0"/>
               </a:rPr>
-              <a:t>JSON Objects should start and end with braces { </a:t>
-            </a:r>
-            <a:r>
-              <a:rPr lang="en-US" dirty="0" smtClean="0">
-                <a:latin typeface="Arial" panose="020B0604020202020204" pitchFamily="34" charset="0"/>
-                <a:cs typeface="Arial" panose="020B0604020202020204" pitchFamily="34" charset="0"/>
-              </a:rPr>
-              <a:t>}.</a:t>
+              <a:t>Data Should be in name/value pairs</a:t>
             </a:r>
           </a:p>
           <a:p>
@@ -6515,21 +8544,21 @@
                 <a:latin typeface="Arial" panose="020B0604020202020204" pitchFamily="34" charset="0"/>
                 <a:cs typeface="Arial" panose="020B0604020202020204" pitchFamily="34" charset="0"/>
               </a:rPr>
-              <a:t>Key </a:t>
+              <a:t>JSON </a:t>
             </a:r>
             <a:r>
               <a:rPr lang="en-US" dirty="0">
                 <a:latin typeface="Arial" panose="020B0604020202020204" pitchFamily="34" charset="0"/>
                 <a:cs typeface="Arial" panose="020B0604020202020204" pitchFamily="34" charset="0"/>
               </a:rPr>
-              <a:t>fields are included in the double </a:t>
+              <a:t>Objects should start and end with braces { </a:t>
             </a:r>
             <a:r>
               <a:rPr lang="en-US" dirty="0" smtClean="0">
                 <a:latin typeface="Arial" panose="020B0604020202020204" pitchFamily="34" charset="0"/>
                 <a:cs typeface="Arial" panose="020B0604020202020204" pitchFamily="34" charset="0"/>
               </a:rPr>
-              <a:t>quotes.</a:t>
+              <a:t>}.</a:t>
             </a:r>
           </a:p>
           <a:p>
@@ -6551,21 +8580,21 @@
                 <a:latin typeface="Arial" panose="020B0604020202020204" pitchFamily="34" charset="0"/>
                 <a:cs typeface="Arial" panose="020B0604020202020204" pitchFamily="34" charset="0"/>
               </a:rPr>
-              <a:t>Values </a:t>
+              <a:t>Key </a:t>
             </a:r>
             <a:r>
               <a:rPr lang="en-US" dirty="0">
                 <a:latin typeface="Arial" panose="020B0604020202020204" pitchFamily="34" charset="0"/>
                 <a:cs typeface="Arial" panose="020B0604020202020204" pitchFamily="34" charset="0"/>
               </a:rPr>
-              <a:t>are represented by putting : colon between them and the </a:t>
+              <a:t>fields are included in the double </a:t>
             </a:r>
             <a:r>
               <a:rPr lang="en-US" dirty="0" smtClean="0">
                 <a:latin typeface="Arial" panose="020B0604020202020204" pitchFamily="34" charset="0"/>
                 <a:cs typeface="Arial" panose="020B0604020202020204" pitchFamily="34" charset="0"/>
               </a:rPr>
-              <a:t>keys.</a:t>
+              <a:t>quotes.</a:t>
             </a:r>
           </a:p>
           <a:p>
@@ -6587,21 +8616,21 @@
                 <a:latin typeface="Arial" panose="020B0604020202020204" pitchFamily="34" charset="0"/>
                 <a:cs typeface="Arial" panose="020B0604020202020204" pitchFamily="34" charset="0"/>
               </a:rPr>
-              <a:t>JSON </a:t>
+              <a:t>Values </a:t>
             </a:r>
             <a:r>
               <a:rPr lang="en-US" dirty="0">
                 <a:latin typeface="Arial" panose="020B0604020202020204" pitchFamily="34" charset="0"/>
                 <a:cs typeface="Arial" panose="020B0604020202020204" pitchFamily="34" charset="0"/>
               </a:rPr>
-              <a:t>key-value pairs are separated by a comma </a:t>
+              <a:t>are represented by putting : colon between them and the </a:t>
             </a:r>
             <a:r>
               <a:rPr lang="en-US" dirty="0" smtClean="0">
                 <a:latin typeface="Arial" panose="020B0604020202020204" pitchFamily="34" charset="0"/>
                 <a:cs typeface="Arial" panose="020B0604020202020204" pitchFamily="34" charset="0"/>
               </a:rPr>
-              <a:t>,.</a:t>
+              <a:t>keys.</a:t>
             </a:r>
           </a:p>
           <a:p>
@@ -6698,10 +8727,6 @@
               </a:rPr>
               <a:t>extension</a:t>
             </a:r>
-            <a:endParaRPr lang="en-US" dirty="0">
-              <a:latin typeface="Arial" panose="020B0604020202020204" pitchFamily="34" charset="0"/>
-              <a:cs typeface="Arial" panose="020B0604020202020204" pitchFamily="34" charset="0"/>
-            </a:endParaRPr>
           </a:p>
           <a:p>
             <a:pPr marR="0" lvl="0" algn="l" defTabSz="914400" rtl="0" eaLnBrk="0" fontAlgn="base" latinLnBrk="0" hangingPunct="0">
@@ -6737,418 +8762,6 @@
     <p:extLst>
       <p:ext uri="{BB962C8B-B14F-4D97-AF65-F5344CB8AC3E}">
         <p14:creationId xmlns:p14="http://schemas.microsoft.com/office/powerpoint/2010/main" val="1853966519"/>
-      </p:ext>
-    </p:extLst>
-  </p:cSld>
-  <p:clrMapOvr>
-    <a:masterClrMapping/>
-  </p:clrMapOvr>
-</p:sld>
-</file>
-
-<file path=ppt/slides/slide8.xml><?xml version="1.0" encoding="utf-8"?>
-<p:sld xmlns:a="http://schemas.openxmlformats.org/drawingml/2006/main" xmlns:r="http://schemas.openxmlformats.org/officeDocument/2006/relationships" xmlns:p="http://schemas.openxmlformats.org/presentationml/2006/main">
-  <p:cSld>
-    <p:spTree>
-      <p:nvGrpSpPr>
-        <p:cNvPr id="1" name=""/>
-        <p:cNvGrpSpPr/>
-        <p:nvPr/>
-      </p:nvGrpSpPr>
-      <p:grpSpPr>
-        <a:xfrm>
-          <a:off x="0" y="0"/>
-          <a:ext cx="0" cy="0"/>
-          <a:chOff x="0" y="0"/>
-          <a:chExt cx="0" cy="0"/>
-        </a:xfrm>
-      </p:grpSpPr>
-      <p:sp>
-        <p:nvSpPr>
-          <p:cNvPr id="4" name="Title 3"/>
-          <p:cNvSpPr>
-            <a:spLocks noGrp="1"/>
-          </p:cNvSpPr>
-          <p:nvPr>
-            <p:ph type="title"/>
-          </p:nvPr>
-        </p:nvSpPr>
-        <p:spPr>
-          <a:xfrm>
-            <a:off x="1261872" y="487110"/>
-            <a:ext cx="9692640" cy="982021"/>
-          </a:xfrm>
-          <a:solidFill>
-            <a:schemeClr val="tx2">
-              <a:lumMod val="75000"/>
-            </a:schemeClr>
-          </a:solidFill>
-        </p:spPr>
-        <p:txBody>
-          <a:bodyPr>
-            <a:normAutofit/>
-          </a:bodyPr>
-          <a:lstStyle/>
-          <a:p>
-            <a:r>
-              <a:rPr lang="en-US" dirty="0" smtClean="0">
-                <a:solidFill>
-                  <a:srgbClr val="FFFF00"/>
-                </a:solidFill>
-              </a:rPr>
-              <a:t>JSON example </a:t>
-            </a:r>
-            <a:endParaRPr lang="en-US" dirty="0">
-              <a:solidFill>
-                <a:srgbClr val="FFFF00"/>
-              </a:solidFill>
-            </a:endParaRPr>
-          </a:p>
-        </p:txBody>
-      </p:sp>
-      <p:sp>
-        <p:nvSpPr>
-          <p:cNvPr id="5" name="Content Placeholder 4"/>
-          <p:cNvSpPr>
-            <a:spLocks noGrp="1"/>
-          </p:cNvSpPr>
-          <p:nvPr>
-            <p:ph idx="1"/>
-          </p:nvPr>
-        </p:nvSpPr>
-        <p:spPr/>
-        <p:txBody>
-          <a:bodyPr>
-            <a:normAutofit/>
-          </a:bodyPr>
-          <a:lstStyle/>
-          <a:p>
-            <a:pPr marL="0" indent="0">
-              <a:buNone/>
-            </a:pPr>
-            <a:r>
-              <a:rPr lang="en-US" dirty="0" smtClean="0">
-                <a:latin typeface="Arial" panose="020B0604020202020204" pitchFamily="34" charset="0"/>
-                <a:cs typeface="Arial" panose="020B0604020202020204" pitchFamily="34" charset="0"/>
-              </a:rPr>
-              <a:t>{</a:t>
-            </a:r>
-          </a:p>
-          <a:p>
-            <a:pPr marL="0" indent="0">
-              <a:buNone/>
-            </a:pPr>
-            <a:r>
-              <a:rPr lang="en-US" dirty="0" smtClean="0">
-                <a:latin typeface="Arial" panose="020B0604020202020204" pitchFamily="34" charset="0"/>
-                <a:cs typeface="Arial" panose="020B0604020202020204" pitchFamily="34" charset="0"/>
-              </a:rPr>
-              <a:t>“Name</a:t>
-            </a:r>
-            <a:r>
-              <a:rPr lang="en-US" dirty="0">
-                <a:latin typeface="Arial" panose="020B0604020202020204" pitchFamily="34" charset="0"/>
-                <a:cs typeface="Arial" panose="020B0604020202020204" pitchFamily="34" charset="0"/>
-              </a:rPr>
-              <a:t>": "Raj</a:t>
-            </a:r>
-            <a:r>
-              <a:rPr lang="en-US" dirty="0" smtClean="0">
-                <a:latin typeface="Arial" panose="020B0604020202020204" pitchFamily="34" charset="0"/>
-                <a:cs typeface="Arial" panose="020B0604020202020204" pitchFamily="34" charset="0"/>
-              </a:rPr>
-              <a:t>",</a:t>
-            </a:r>
-          </a:p>
-          <a:p>
-            <a:pPr marL="0" indent="0">
-              <a:buNone/>
-            </a:pPr>
-            <a:r>
-              <a:rPr lang="en-US" dirty="0" smtClean="0">
-                <a:latin typeface="Arial" panose="020B0604020202020204" pitchFamily="34" charset="0"/>
-                <a:cs typeface="Arial" panose="020B0604020202020204" pitchFamily="34" charset="0"/>
-              </a:rPr>
-              <a:t> "Age</a:t>
-            </a:r>
-            <a:r>
-              <a:rPr lang="en-US" dirty="0">
-                <a:latin typeface="Arial" panose="020B0604020202020204" pitchFamily="34" charset="0"/>
-                <a:cs typeface="Arial" panose="020B0604020202020204" pitchFamily="34" charset="0"/>
-              </a:rPr>
-              <a:t>": "23</a:t>
-            </a:r>
-            <a:r>
-              <a:rPr lang="en-US" dirty="0" smtClean="0">
-                <a:latin typeface="Arial" panose="020B0604020202020204" pitchFamily="34" charset="0"/>
-                <a:cs typeface="Arial" panose="020B0604020202020204" pitchFamily="34" charset="0"/>
-              </a:rPr>
-              <a:t>",</a:t>
-            </a:r>
-          </a:p>
-          <a:p>
-            <a:pPr marL="0" indent="0">
-              <a:buNone/>
-            </a:pPr>
-            <a:r>
-              <a:rPr lang="en-US" dirty="0" smtClean="0">
-                <a:latin typeface="Arial" panose="020B0604020202020204" pitchFamily="34" charset="0"/>
-                <a:cs typeface="Arial" panose="020B0604020202020204" pitchFamily="34" charset="0"/>
-              </a:rPr>
-              <a:t> “City</a:t>
-            </a:r>
-            <a:r>
-              <a:rPr lang="en-US" dirty="0">
-                <a:latin typeface="Arial" panose="020B0604020202020204" pitchFamily="34" charset="0"/>
-                <a:cs typeface="Arial" panose="020B0604020202020204" pitchFamily="34" charset="0"/>
-              </a:rPr>
-              <a:t>": "</a:t>
-            </a:r>
-            <a:r>
-              <a:rPr lang="en-US" dirty="0" smtClean="0">
-                <a:latin typeface="Arial" panose="020B0604020202020204" pitchFamily="34" charset="0"/>
-                <a:cs typeface="Arial" panose="020B0604020202020204" pitchFamily="34" charset="0"/>
-              </a:rPr>
-              <a:t>CNB“,</a:t>
-            </a:r>
-          </a:p>
-          <a:p>
-            <a:pPr marL="0" indent="0">
-              <a:buNone/>
-            </a:pPr>
-            <a:r>
-              <a:rPr lang="en-US" dirty="0" smtClean="0">
-                <a:latin typeface="Arial" panose="020B0604020202020204" pitchFamily="34" charset="0"/>
-                <a:cs typeface="Arial" panose="020B0604020202020204" pitchFamily="34" charset="0"/>
-              </a:rPr>
-              <a:t>“Mobile”:643648638</a:t>
-            </a:r>
-            <a:endParaRPr lang="en-US" dirty="0">
-              <a:latin typeface="Arial" panose="020B0604020202020204" pitchFamily="34" charset="0"/>
-              <a:cs typeface="Arial" panose="020B0604020202020204" pitchFamily="34" charset="0"/>
-            </a:endParaRPr>
-          </a:p>
-          <a:p>
-            <a:pPr marL="0" indent="0">
-              <a:buNone/>
-            </a:pPr>
-            <a:r>
-              <a:rPr lang="en-US" dirty="0">
-                <a:latin typeface="Arial" panose="020B0604020202020204" pitchFamily="34" charset="0"/>
-                <a:cs typeface="Arial" panose="020B0604020202020204" pitchFamily="34" charset="0"/>
-              </a:rPr>
-              <a:t>  </a:t>
-            </a:r>
-            <a:r>
-              <a:rPr lang="en-US" dirty="0" smtClean="0">
-                <a:latin typeface="Arial" panose="020B0604020202020204" pitchFamily="34" charset="0"/>
-                <a:cs typeface="Arial" panose="020B0604020202020204" pitchFamily="34" charset="0"/>
-              </a:rPr>
-              <a:t>“Courses": [“</a:t>
-            </a:r>
-            <a:r>
-              <a:rPr lang="en-US" dirty="0" err="1" smtClean="0">
-                <a:latin typeface="Arial" panose="020B0604020202020204" pitchFamily="34" charset="0"/>
-                <a:cs typeface="Arial" panose="020B0604020202020204" pitchFamily="34" charset="0"/>
-              </a:rPr>
-              <a:t>Java”,”python”,”Artificial</a:t>
-            </a:r>
-            <a:r>
-              <a:rPr lang="en-US" dirty="0" smtClean="0">
-                <a:latin typeface="Arial" panose="020B0604020202020204" pitchFamily="34" charset="0"/>
-                <a:cs typeface="Arial" panose="020B0604020202020204" pitchFamily="34" charset="0"/>
-              </a:rPr>
-              <a:t> Intelligence”]</a:t>
-            </a:r>
-            <a:endParaRPr lang="en-US" dirty="0">
-              <a:latin typeface="Arial" panose="020B0604020202020204" pitchFamily="34" charset="0"/>
-              <a:cs typeface="Arial" panose="020B0604020202020204" pitchFamily="34" charset="0"/>
-            </a:endParaRPr>
-          </a:p>
-          <a:p>
-            <a:pPr marL="0" indent="0">
-              <a:buNone/>
-            </a:pPr>
-            <a:r>
-              <a:rPr lang="en-US" dirty="0">
-                <a:latin typeface="Arial" panose="020B0604020202020204" pitchFamily="34" charset="0"/>
-                <a:cs typeface="Arial" panose="020B0604020202020204" pitchFamily="34" charset="0"/>
-              </a:rPr>
-              <a:t>}</a:t>
-            </a:r>
-          </a:p>
-          <a:p>
-            <a:pPr marL="0" indent="0">
-              <a:buNone/>
-            </a:pPr>
-            <a:endParaRPr lang="en-US" dirty="0">
-              <a:latin typeface="Arial" panose="020B0604020202020204" pitchFamily="34" charset="0"/>
-              <a:cs typeface="Arial" panose="020B0604020202020204" pitchFamily="34" charset="0"/>
-            </a:endParaRPr>
-          </a:p>
-        </p:txBody>
-      </p:sp>
-    </p:spTree>
-    <p:extLst>
-      <p:ext uri="{BB962C8B-B14F-4D97-AF65-F5344CB8AC3E}">
-        <p14:creationId xmlns:p14="http://schemas.microsoft.com/office/powerpoint/2010/main" val="204725316"/>
-      </p:ext>
-    </p:extLst>
-  </p:cSld>
-  <p:clrMapOvr>
-    <a:masterClrMapping/>
-  </p:clrMapOvr>
-</p:sld>
-</file>
-
-<file path=ppt/slides/slide9.xml><?xml version="1.0" encoding="utf-8"?>
-<p:sld xmlns:a="http://schemas.openxmlformats.org/drawingml/2006/main" xmlns:r="http://schemas.openxmlformats.org/officeDocument/2006/relationships" xmlns:p="http://schemas.openxmlformats.org/presentationml/2006/main">
-  <p:cSld>
-    <p:spTree>
-      <p:nvGrpSpPr>
-        <p:cNvPr id="1" name=""/>
-        <p:cNvGrpSpPr/>
-        <p:nvPr/>
-      </p:nvGrpSpPr>
-      <p:grpSpPr>
-        <a:xfrm>
-          <a:off x="0" y="0"/>
-          <a:ext cx="0" cy="0"/>
-          <a:chOff x="0" y="0"/>
-          <a:chExt cx="0" cy="0"/>
-        </a:xfrm>
-      </p:grpSpPr>
-      <p:sp>
-        <p:nvSpPr>
-          <p:cNvPr id="4" name="Title 3"/>
-          <p:cNvSpPr>
-            <a:spLocks noGrp="1"/>
-          </p:cNvSpPr>
-          <p:nvPr>
-            <p:ph type="title"/>
-          </p:nvPr>
-        </p:nvSpPr>
-        <p:spPr>
-          <a:xfrm>
-            <a:off x="1261872" y="487110"/>
-            <a:ext cx="9692640" cy="982021"/>
-          </a:xfrm>
-          <a:solidFill>
-            <a:schemeClr val="tx2">
-              <a:lumMod val="75000"/>
-            </a:schemeClr>
-          </a:solidFill>
-        </p:spPr>
-        <p:txBody>
-          <a:bodyPr>
-            <a:normAutofit/>
-          </a:bodyPr>
-          <a:lstStyle/>
-          <a:p>
-            <a:r>
-              <a:rPr lang="en-US" dirty="0">
-                <a:solidFill>
-                  <a:srgbClr val="FFFF00"/>
-                </a:solidFill>
-              </a:rPr>
-              <a:t>JSON Data Types</a:t>
-            </a:r>
-            <a:endParaRPr lang="en-US" dirty="0">
-              <a:solidFill>
-                <a:srgbClr val="FFFF00"/>
-              </a:solidFill>
-            </a:endParaRPr>
-          </a:p>
-        </p:txBody>
-      </p:sp>
-      <p:sp>
-        <p:nvSpPr>
-          <p:cNvPr id="5" name="Content Placeholder 4"/>
-          <p:cNvSpPr>
-            <a:spLocks noGrp="1"/>
-          </p:cNvSpPr>
-          <p:nvPr>
-            <p:ph idx="1"/>
-          </p:nvPr>
-        </p:nvSpPr>
-        <p:spPr/>
-        <p:txBody>
-          <a:bodyPr>
-            <a:normAutofit/>
-          </a:bodyPr>
-          <a:lstStyle/>
-          <a:p>
-            <a:pPr marL="0" indent="0">
-              <a:buNone/>
-            </a:pPr>
-            <a:r>
-              <a:rPr lang="en-US" b="1" dirty="0" smtClean="0"/>
-              <a:t>In </a:t>
-            </a:r>
-            <a:r>
-              <a:rPr lang="en-US" b="1" dirty="0"/>
-              <a:t>JSON, values must be one of the following data types</a:t>
-            </a:r>
-            <a:r>
-              <a:rPr lang="en-US" b="1" dirty="0" smtClean="0"/>
-              <a:t>:</a:t>
-            </a:r>
-            <a:endParaRPr lang="en-US" dirty="0" smtClean="0"/>
-          </a:p>
-          <a:p>
-            <a:r>
-              <a:rPr lang="en-US" dirty="0" smtClean="0"/>
-              <a:t>a string</a:t>
-            </a:r>
-          </a:p>
-          <a:p>
-            <a:r>
-              <a:rPr lang="en-US" dirty="0" smtClean="0"/>
-              <a:t>a number</a:t>
-            </a:r>
-          </a:p>
-          <a:p>
-            <a:r>
-              <a:rPr lang="en-US" dirty="0" smtClean="0"/>
-              <a:t>an </a:t>
-            </a:r>
-            <a:r>
-              <a:rPr lang="en-US" dirty="0"/>
-              <a:t>object (JSON </a:t>
-            </a:r>
-            <a:r>
-              <a:rPr lang="en-US" dirty="0" smtClean="0"/>
-              <a:t>object)</a:t>
-            </a:r>
-          </a:p>
-          <a:p>
-            <a:r>
-              <a:rPr lang="en-US" dirty="0" smtClean="0"/>
-              <a:t>an array</a:t>
-            </a:r>
-          </a:p>
-          <a:p>
-            <a:r>
-              <a:rPr lang="en-US" dirty="0" smtClean="0"/>
-              <a:t>a Boolean</a:t>
-            </a:r>
-          </a:p>
-          <a:p>
-            <a:r>
-              <a:rPr lang="en-US" dirty="0" smtClean="0"/>
-              <a:t>null</a:t>
-            </a:r>
-            <a:endParaRPr lang="en-US" dirty="0">
-              <a:latin typeface="Arial" panose="020B0604020202020204" pitchFamily="34" charset="0"/>
-              <a:cs typeface="Arial" panose="020B0604020202020204" pitchFamily="34" charset="0"/>
-            </a:endParaRPr>
-          </a:p>
-        </p:txBody>
-      </p:sp>
-    </p:spTree>
-    <p:extLst>
-      <p:ext uri="{BB962C8B-B14F-4D97-AF65-F5344CB8AC3E}">
-        <p14:creationId xmlns:p14="http://schemas.microsoft.com/office/powerpoint/2010/main" val="1494311001"/>
       </p:ext>
     </p:extLst>
   </p:cSld>
@@ -8010,15 +9623,6 @@
 </file>
 
 <file path=customXml/item2.xml><?xml version="1.0" encoding="utf-8"?>
-<?mso-contentType ?>
-<FormTemplates xmlns="http://schemas.microsoft.com/sharepoint/v3/contenttype/forms">
-  <Display>DocumentLibraryForm</Display>
-  <Edit>DocumentLibraryForm</Edit>
-  <New>DocumentLibraryForm</New>
-</FormTemplates>
-</file>
-
-<file path=customXml/item3.xml><?xml version="1.0" encoding="utf-8"?>
 <ct:contentTypeSchema xmlns:ct="http://schemas.microsoft.com/office/2006/metadata/contentType" xmlns:ma="http://schemas.microsoft.com/office/2006/metadata/properties/metaAttributes" ct:_="" ma:_="" ma:contentTypeName="Document" ma:contentTypeID="0x01010079F111ED35F8CC479449609E8A0923A6" ma:contentTypeVersion="11" ma:contentTypeDescription="Create a new document." ma:contentTypeScope="" ma:versionID="9677210f24a1be23c92c90fd886aa0aa">
   <xsd:schema xmlns:xsd="http://www.w3.org/2001/XMLSchema" xmlns:xs="http://www.w3.org/2001/XMLSchema" xmlns:p="http://schemas.microsoft.com/office/2006/metadata/properties" xmlns:ns2="71af3243-3dd4-4a8d-8c0d-dd76da1f02a5" xmlns:ns3="16c05727-aa75-4e4a-9b5f-8a80a1165891" targetNamespace="http://schemas.microsoft.com/office/2006/metadata/properties" ma:root="true" ma:fieldsID="60e05723c5c1908df1a1a4ebf11d344e" ns2:_="" ns3:_="">
     <xsd:import namespace="71af3243-3dd4-4a8d-8c0d-dd76da1f02a5"/>
@@ -8229,6 +9833,15 @@
 </ct:contentTypeSchema>
 </file>
 
+<file path=customXml/item3.xml><?xml version="1.0" encoding="utf-8"?>
+<?mso-contentType ?>
+<FormTemplates xmlns="http://schemas.microsoft.com/sharepoint/v3/contenttype/forms">
+  <Display>DocumentLibraryForm</Display>
+  <Edit>DocumentLibraryForm</Edit>
+  <New>DocumentLibraryForm</New>
+</FormTemplates>
+</file>
+
 <file path=customXml/itemProps1.xml><?xml version="1.0" encoding="utf-8"?>
 <ds:datastoreItem xmlns:ds="http://schemas.openxmlformats.org/officeDocument/2006/customXml" ds:itemID="{BFD7FB66-5AEF-4592-ADF0-E0DD5FFC51DC}">
   <ds:schemaRefs>
@@ -8247,14 +9860,6 @@
 </file>
 
 <file path=customXml/itemProps2.xml><?xml version="1.0" encoding="utf-8"?>
-<ds:datastoreItem xmlns:ds="http://schemas.openxmlformats.org/officeDocument/2006/customXml" ds:itemID="{B8B6C6B5-25A7-4002-8DA6-82C2DD0691A3}">
-  <ds:schemaRefs>
-    <ds:schemaRef ds:uri="http://schemas.microsoft.com/sharepoint/v3/contenttype/forms"/>
-  </ds:schemaRefs>
-</ds:datastoreItem>
-</file>
-
-<file path=customXml/itemProps3.xml><?xml version="1.0" encoding="utf-8"?>
 <ds:datastoreItem xmlns:ds="http://schemas.openxmlformats.org/officeDocument/2006/customXml" ds:itemID="{5B67D6E6-D1D9-437E-BD08-E13DACBDF7D7}">
   <ds:schemaRefs>
     <ds:schemaRef ds:uri="http://schemas.microsoft.com/office/2006/metadata/contentType"/>
@@ -8271,4 +9876,12 @@
     <ds:schemaRef ds:uri="http://schemas.microsoft.com/internal/obd"/>
   </ds:schemaRefs>
 </ds:datastoreItem>
+</file>
+
+<file path=customXml/itemProps3.xml><?xml version="1.0" encoding="utf-8"?>
+<ds:datastoreItem xmlns:ds="http://schemas.openxmlformats.org/officeDocument/2006/customXml" ds:itemID="{B8B6C6B5-25A7-4002-8DA6-82C2DD0691A3}">
+  <ds:schemaRefs>
+    <ds:schemaRef ds:uri="http://schemas.microsoft.com/sharepoint/v3/contenttype/forms"/>
+  </ds:schemaRefs>
+</ds:datastoreItem>
 </file>